--- a/system design/tinder/tinder.pptx
+++ b/system design/tinder/tinder.pptx
@@ -5,9 +5,9 @@
     <p:sldMasterId id="2147483648" r:id="rId1"/>
   </p:sldMasterIdLst>
   <p:sldIdLst>
-    <p:sldId id="256" r:id="rId2"/>
-    <p:sldId id="257" r:id="rId3"/>
-    <p:sldId id="258" r:id="rId4"/>
+    <p:sldId id="257" r:id="rId2"/>
+    <p:sldId id="258" r:id="rId3"/>
+    <p:sldId id="259" r:id="rId4"/>
   </p:sldIdLst>
   <p:sldSz cx="12192000" cy="6858000"/>
   <p:notesSz cx="6858000" cy="9144000"/>
@@ -106,6 +106,11 @@
       </a:defRPr>
     </a:lvl9pPr>
   </p:defaultTextStyle>
+  <p:extLst>
+    <p:ext uri="{EFAFB233-063F-42B5-8137-9DF3F51BA10A}">
+      <p15:sldGuideLst xmlns:p15="http://schemas.microsoft.com/office/powerpoint/2012/main"/>
+    </p:ext>
+  </p:extLst>
 </p:presentation>
 </file>
 
@@ -240,7 +245,7 @@
           <a:p>
             <a:fld id="{28AC5309-F784-4531-8244-A38404A2E8D5}" type="datetimeFigureOut">
               <a:rPr lang="en-US" smtClean="0"/>
-              <a:t>12/7/2019</a:t>
+              <a:t>1/22/2020</a:t>
             </a:fld>
             <a:endParaRPr lang="en-US"/>
           </a:p>
@@ -410,7 +415,7 @@
           <a:p>
             <a:fld id="{28AC5309-F784-4531-8244-A38404A2E8D5}" type="datetimeFigureOut">
               <a:rPr lang="en-US" smtClean="0"/>
-              <a:t>12/7/2019</a:t>
+              <a:t>1/22/2020</a:t>
             </a:fld>
             <a:endParaRPr lang="en-US"/>
           </a:p>
@@ -590,7 +595,7 @@
           <a:p>
             <a:fld id="{28AC5309-F784-4531-8244-A38404A2E8D5}" type="datetimeFigureOut">
               <a:rPr lang="en-US" smtClean="0"/>
-              <a:t>12/7/2019</a:t>
+              <a:t>1/22/2020</a:t>
             </a:fld>
             <a:endParaRPr lang="en-US"/>
           </a:p>
@@ -760,7 +765,7 @@
           <a:p>
             <a:fld id="{28AC5309-F784-4531-8244-A38404A2E8D5}" type="datetimeFigureOut">
               <a:rPr lang="en-US" smtClean="0"/>
-              <a:t>12/7/2019</a:t>
+              <a:t>1/22/2020</a:t>
             </a:fld>
             <a:endParaRPr lang="en-US"/>
           </a:p>
@@ -1006,7 +1011,7 @@
           <a:p>
             <a:fld id="{28AC5309-F784-4531-8244-A38404A2E8D5}" type="datetimeFigureOut">
               <a:rPr lang="en-US" smtClean="0"/>
-              <a:t>12/7/2019</a:t>
+              <a:t>1/22/2020</a:t>
             </a:fld>
             <a:endParaRPr lang="en-US"/>
           </a:p>
@@ -1238,7 +1243,7 @@
           <a:p>
             <a:fld id="{28AC5309-F784-4531-8244-A38404A2E8D5}" type="datetimeFigureOut">
               <a:rPr lang="en-US" smtClean="0"/>
-              <a:t>12/7/2019</a:t>
+              <a:t>1/22/2020</a:t>
             </a:fld>
             <a:endParaRPr lang="en-US"/>
           </a:p>
@@ -1605,7 +1610,7 @@
           <a:p>
             <a:fld id="{28AC5309-F784-4531-8244-A38404A2E8D5}" type="datetimeFigureOut">
               <a:rPr lang="en-US" smtClean="0"/>
-              <a:t>12/7/2019</a:t>
+              <a:t>1/22/2020</a:t>
             </a:fld>
             <a:endParaRPr lang="en-US"/>
           </a:p>
@@ -1723,7 +1728,7 @@
           <a:p>
             <a:fld id="{28AC5309-F784-4531-8244-A38404A2E8D5}" type="datetimeFigureOut">
               <a:rPr lang="en-US" smtClean="0"/>
-              <a:t>12/7/2019</a:t>
+              <a:t>1/22/2020</a:t>
             </a:fld>
             <a:endParaRPr lang="en-US"/>
           </a:p>
@@ -1818,7 +1823,7 @@
           <a:p>
             <a:fld id="{28AC5309-F784-4531-8244-A38404A2E8D5}" type="datetimeFigureOut">
               <a:rPr lang="en-US" smtClean="0"/>
-              <a:t>12/7/2019</a:t>
+              <a:t>1/22/2020</a:t>
             </a:fld>
             <a:endParaRPr lang="en-US"/>
           </a:p>
@@ -2095,7 +2100,7 @@
           <a:p>
             <a:fld id="{28AC5309-F784-4531-8244-A38404A2E8D5}" type="datetimeFigureOut">
               <a:rPr lang="en-US" smtClean="0"/>
-              <a:t>12/7/2019</a:t>
+              <a:t>1/22/2020</a:t>
             </a:fld>
             <a:endParaRPr lang="en-US"/>
           </a:p>
@@ -2348,7 +2353,7 @@
           <a:p>
             <a:fld id="{28AC5309-F784-4531-8244-A38404A2E8D5}" type="datetimeFigureOut">
               <a:rPr lang="en-US" smtClean="0"/>
-              <a:t>12/7/2019</a:t>
+              <a:t>1/22/2020</a:t>
             </a:fld>
             <a:endParaRPr lang="en-US"/>
           </a:p>
@@ -2561,7 +2566,7 @@
           <a:p>
             <a:fld id="{28AC5309-F784-4531-8244-A38404A2E8D5}" type="datetimeFigureOut">
               <a:rPr lang="en-US" smtClean="0"/>
-              <a:t>12/7/2019</a:t>
+              <a:t>1/22/2020</a:t>
             </a:fld>
             <a:endParaRPr lang="en-US"/>
           </a:p>
@@ -2966,74 +2971,6 @@
           <a:chExt cx="0" cy="0"/>
         </a:xfrm>
       </p:grpSpPr>
-      <p:sp>
-        <p:nvSpPr>
-          <p:cNvPr id="2" name="Title 1"/>
-          <p:cNvSpPr>
-            <a:spLocks noGrp="1"/>
-          </p:cNvSpPr>
-          <p:nvPr>
-            <p:ph type="ctrTitle"/>
-          </p:nvPr>
-        </p:nvSpPr>
-        <p:spPr/>
-        <p:txBody>
-          <a:bodyPr/>
-          <a:lstStyle/>
-          <a:p>
-            <a:endParaRPr lang="en-US"/>
-          </a:p>
-        </p:txBody>
-      </p:sp>
-      <p:sp>
-        <p:nvSpPr>
-          <p:cNvPr id="3" name="Subtitle 2"/>
-          <p:cNvSpPr>
-            <a:spLocks noGrp="1"/>
-          </p:cNvSpPr>
-          <p:nvPr>
-            <p:ph type="subTitle" idx="1"/>
-          </p:nvPr>
-        </p:nvSpPr>
-        <p:spPr/>
-        <p:txBody>
-          <a:bodyPr/>
-          <a:lstStyle/>
-          <a:p>
-            <a:endParaRPr lang="en-US"/>
-          </a:p>
-        </p:txBody>
-      </p:sp>
-    </p:spTree>
-    <p:extLst>
-      <p:ext uri="{BB962C8B-B14F-4D97-AF65-F5344CB8AC3E}">
-        <p14:creationId xmlns:p14="http://schemas.microsoft.com/office/powerpoint/2010/main" val="1459948844"/>
-      </p:ext>
-    </p:extLst>
-  </p:cSld>
-  <p:clrMapOvr>
-    <a:masterClrMapping/>
-  </p:clrMapOvr>
-</p:sld>
-</file>
-
-<file path=ppt/slides/slide2.xml><?xml version="1.0" encoding="utf-8"?>
-<p:sld xmlns:a="http://schemas.openxmlformats.org/drawingml/2006/main" xmlns:r="http://schemas.openxmlformats.org/officeDocument/2006/relationships" xmlns:p="http://schemas.openxmlformats.org/presentationml/2006/main">
-  <p:cSld>
-    <p:spTree>
-      <p:nvGrpSpPr>
-        <p:cNvPr id="1" name=""/>
-        <p:cNvGrpSpPr/>
-        <p:nvPr/>
-      </p:nvGrpSpPr>
-      <p:grpSpPr>
-        <a:xfrm>
-          <a:off x="0" y="0"/>
-          <a:ext cx="0" cy="0"/>
-          <a:chOff x="0" y="0"/>
-          <a:chExt cx="0" cy="0"/>
-        </a:xfrm>
-      </p:grpSpPr>
       <p:graphicFrame>
         <p:nvGraphicFramePr>
           <p:cNvPr id="4" name="Table 3"/>
@@ -3309,6 +3246,1851 @@
 </p:sld>
 </file>
 
+<file path=ppt/slides/slide2.xml><?xml version="1.0" encoding="utf-8"?>
+<p:sld xmlns:a="http://schemas.openxmlformats.org/drawingml/2006/main" xmlns:r="http://schemas.openxmlformats.org/officeDocument/2006/relationships" xmlns:p="http://schemas.openxmlformats.org/presentationml/2006/main">
+  <p:cSld>
+    <p:spTree>
+      <p:nvGrpSpPr>
+        <p:cNvPr id="1" name=""/>
+        <p:cNvGrpSpPr/>
+        <p:nvPr/>
+      </p:nvGrpSpPr>
+      <p:grpSpPr>
+        <a:xfrm>
+          <a:off x="0" y="0"/>
+          <a:ext cx="0" cy="0"/>
+          <a:chOff x="0" y="0"/>
+          <a:chExt cx="0" cy="0"/>
+        </a:xfrm>
+      </p:grpSpPr>
+      <p:sp>
+        <p:nvSpPr>
+          <p:cNvPr id="4" name="Rectangle 3"/>
+          <p:cNvSpPr/>
+          <p:nvPr/>
+        </p:nvSpPr>
+        <p:spPr>
+          <a:xfrm>
+            <a:off x="1444331" y="2004971"/>
+            <a:ext cx="374073" cy="942583"/>
+          </a:xfrm>
+          <a:prstGeom prst="rect">
+            <a:avLst/>
+          </a:prstGeom>
+        </p:spPr>
+        <p:style>
+          <a:lnRef idx="2">
+            <a:schemeClr val="accent1">
+              <a:shade val="50000"/>
+            </a:schemeClr>
+          </a:lnRef>
+          <a:fillRef idx="1">
+            <a:schemeClr val="accent1"/>
+          </a:fillRef>
+          <a:effectRef idx="0">
+            <a:schemeClr val="accent1"/>
+          </a:effectRef>
+          <a:fontRef idx="minor">
+            <a:schemeClr val="lt1"/>
+          </a:fontRef>
+        </p:style>
+        <p:txBody>
+          <a:bodyPr rtlCol="0" anchor="ctr"/>
+          <a:lstStyle/>
+          <a:p>
+            <a:pPr algn="ctr"/>
+            <a:endParaRPr lang="en-US"/>
+          </a:p>
+        </p:txBody>
+      </p:sp>
+      <p:sp>
+        <p:nvSpPr>
+          <p:cNvPr id="5" name="Rectangle 4"/>
+          <p:cNvSpPr/>
+          <p:nvPr/>
+        </p:nvSpPr>
+        <p:spPr>
+          <a:xfrm>
+            <a:off x="1444330" y="3501774"/>
+            <a:ext cx="374073" cy="550718"/>
+          </a:xfrm>
+          <a:prstGeom prst="rect">
+            <a:avLst/>
+          </a:prstGeom>
+        </p:spPr>
+        <p:style>
+          <a:lnRef idx="2">
+            <a:schemeClr val="accent1">
+              <a:shade val="50000"/>
+            </a:schemeClr>
+          </a:lnRef>
+          <a:fillRef idx="1">
+            <a:schemeClr val="accent1"/>
+          </a:fillRef>
+          <a:effectRef idx="0">
+            <a:schemeClr val="accent1"/>
+          </a:effectRef>
+          <a:fontRef idx="minor">
+            <a:schemeClr val="lt1"/>
+          </a:fontRef>
+        </p:style>
+        <p:txBody>
+          <a:bodyPr rtlCol="0" anchor="ctr"/>
+          <a:lstStyle/>
+          <a:p>
+            <a:pPr algn="ctr"/>
+            <a:endParaRPr lang="en-US"/>
+          </a:p>
+        </p:txBody>
+      </p:sp>
+      <p:sp>
+        <p:nvSpPr>
+          <p:cNvPr id="6" name="Rounded Rectangle 5"/>
+          <p:cNvSpPr/>
+          <p:nvPr/>
+        </p:nvSpPr>
+        <p:spPr>
+          <a:xfrm>
+            <a:off x="3293917" y="1402773"/>
+            <a:ext cx="1101436" cy="2566555"/>
+          </a:xfrm>
+          <a:prstGeom prst="roundRect">
+            <a:avLst/>
+          </a:prstGeom>
+          <a:solidFill>
+            <a:schemeClr val="accent2">
+              <a:lumMod val="60000"/>
+              <a:lumOff val="40000"/>
+            </a:schemeClr>
+          </a:solidFill>
+        </p:spPr>
+        <p:style>
+          <a:lnRef idx="2">
+            <a:schemeClr val="accent1">
+              <a:shade val="50000"/>
+            </a:schemeClr>
+          </a:lnRef>
+          <a:fillRef idx="1">
+            <a:schemeClr val="accent1"/>
+          </a:fillRef>
+          <a:effectRef idx="0">
+            <a:schemeClr val="accent1"/>
+          </a:effectRef>
+          <a:fontRef idx="minor">
+            <a:schemeClr val="lt1"/>
+          </a:fontRef>
+        </p:style>
+        <p:txBody>
+          <a:bodyPr rtlCol="0" anchor="ctr"/>
+          <a:lstStyle/>
+          <a:p>
+            <a:pPr algn="ctr"/>
+            <a:endParaRPr lang="en-US" dirty="0"/>
+          </a:p>
+        </p:txBody>
+      </p:sp>
+      <p:sp>
+        <p:nvSpPr>
+          <p:cNvPr id="8" name="TextBox 7"/>
+          <p:cNvSpPr txBox="1"/>
+          <p:nvPr/>
+        </p:nvSpPr>
+        <p:spPr>
+          <a:xfrm>
+            <a:off x="2269100" y="156458"/>
+            <a:ext cx="2504981" cy="954107"/>
+          </a:xfrm>
+          <a:prstGeom prst="rect">
+            <a:avLst/>
+          </a:prstGeom>
+          <a:noFill/>
+        </p:spPr>
+        <p:txBody>
+          <a:bodyPr wrap="none" rtlCol="0">
+            <a:spAutoFit/>
+          </a:bodyPr>
+          <a:lstStyle/>
+          <a:p>
+            <a:r>
+              <a:rPr lang="en-US" sz="1400" b="1" dirty="0" smtClean="0"/>
+              <a:t>Gate way service</a:t>
+            </a:r>
+          </a:p>
+          <a:p>
+            <a:r>
+              <a:rPr lang="en-US" sz="1400" dirty="0" smtClean="0"/>
+              <a:t>Takes the common tasks</a:t>
+            </a:r>
+          </a:p>
+          <a:p>
+            <a:r>
+              <a:rPr lang="en-US" sz="1400" dirty="0" smtClean="0"/>
+              <a:t>requires on multiple service like</a:t>
+            </a:r>
+          </a:p>
+          <a:p>
+            <a:r>
+              <a:rPr lang="en-US" sz="1400" dirty="0" smtClean="0"/>
+              <a:t>authentication</a:t>
+            </a:r>
+            <a:endParaRPr lang="en-US" sz="1400" dirty="0"/>
+          </a:p>
+        </p:txBody>
+      </p:sp>
+      <p:sp>
+        <p:nvSpPr>
+          <p:cNvPr id="9" name="TextBox 8"/>
+          <p:cNvSpPr txBox="1"/>
+          <p:nvPr/>
+        </p:nvSpPr>
+        <p:spPr>
+          <a:xfrm>
+            <a:off x="2269100" y="1009280"/>
+            <a:ext cx="2149435" cy="523220"/>
+          </a:xfrm>
+          <a:prstGeom prst="rect">
+            <a:avLst/>
+          </a:prstGeom>
+          <a:noFill/>
+        </p:spPr>
+        <p:txBody>
+          <a:bodyPr wrap="none" rtlCol="0">
+            <a:spAutoFit/>
+          </a:bodyPr>
+          <a:lstStyle/>
+          <a:p>
+            <a:r>
+              <a:rPr lang="en-US" sz="1400" dirty="0" smtClean="0"/>
+              <a:t>Can separate out protocols</a:t>
+            </a:r>
+          </a:p>
+          <a:p>
+            <a:r>
+              <a:rPr lang="en-US" sz="1400" dirty="0" smtClean="0"/>
+              <a:t>From one to other point </a:t>
+            </a:r>
+            <a:endParaRPr lang="en-US" sz="1400" dirty="0"/>
+          </a:p>
+        </p:txBody>
+      </p:sp>
+      <p:sp>
+        <p:nvSpPr>
+          <p:cNvPr id="10" name="Rectangle 9"/>
+          <p:cNvSpPr/>
+          <p:nvPr/>
+        </p:nvSpPr>
+        <p:spPr>
+          <a:xfrm>
+            <a:off x="5974773" y="1741967"/>
+            <a:ext cx="1143000" cy="1298864"/>
+          </a:xfrm>
+          <a:prstGeom prst="rect">
+            <a:avLst/>
+          </a:prstGeom>
+        </p:spPr>
+        <p:style>
+          <a:lnRef idx="2">
+            <a:schemeClr val="accent6">
+              <a:shade val="50000"/>
+            </a:schemeClr>
+          </a:lnRef>
+          <a:fillRef idx="1">
+            <a:schemeClr val="accent6"/>
+          </a:fillRef>
+          <a:effectRef idx="0">
+            <a:schemeClr val="accent6"/>
+          </a:effectRef>
+          <a:fontRef idx="minor">
+            <a:schemeClr val="lt1"/>
+          </a:fontRef>
+        </p:style>
+        <p:txBody>
+          <a:bodyPr rtlCol="0" anchor="ctr"/>
+          <a:lstStyle/>
+          <a:p>
+            <a:pPr algn="ctr"/>
+            <a:endParaRPr lang="en-US"/>
+          </a:p>
+        </p:txBody>
+      </p:sp>
+      <p:sp>
+        <p:nvSpPr>
+          <p:cNvPr id="11" name="TextBox 10"/>
+          <p:cNvSpPr txBox="1"/>
+          <p:nvPr/>
+        </p:nvSpPr>
+        <p:spPr>
+          <a:xfrm>
+            <a:off x="5983160" y="1829422"/>
+            <a:ext cx="2122817" cy="646331"/>
+          </a:xfrm>
+          <a:prstGeom prst="rect">
+            <a:avLst/>
+          </a:prstGeom>
+          <a:noFill/>
+        </p:spPr>
+        <p:txBody>
+          <a:bodyPr wrap="square" rtlCol="0">
+            <a:spAutoFit/>
+          </a:bodyPr>
+          <a:lstStyle/>
+          <a:p>
+            <a:r>
+              <a:rPr lang="en-US" sz="1200" b="1" dirty="0" smtClean="0"/>
+              <a:t>Profile Service</a:t>
+            </a:r>
+          </a:p>
+          <a:p>
+            <a:r>
+              <a:rPr lang="en-US" sz="1200" dirty="0" smtClean="0"/>
+              <a:t>Profile relates work will be done</a:t>
+            </a:r>
+            <a:endParaRPr lang="en-US" sz="1200" dirty="0"/>
+          </a:p>
+        </p:txBody>
+      </p:sp>
+      <p:sp>
+        <p:nvSpPr>
+          <p:cNvPr id="12" name="Rectangle 11"/>
+          <p:cNvSpPr/>
+          <p:nvPr/>
+        </p:nvSpPr>
+        <p:spPr>
+          <a:xfrm>
+            <a:off x="7209755" y="3596120"/>
+            <a:ext cx="647700" cy="746415"/>
+          </a:xfrm>
+          <a:prstGeom prst="rect">
+            <a:avLst/>
+          </a:prstGeom>
+        </p:spPr>
+        <p:style>
+          <a:lnRef idx="2">
+            <a:schemeClr val="accent6">
+              <a:shade val="50000"/>
+            </a:schemeClr>
+          </a:lnRef>
+          <a:fillRef idx="1">
+            <a:schemeClr val="accent6"/>
+          </a:fillRef>
+          <a:effectRef idx="0">
+            <a:schemeClr val="accent6"/>
+          </a:effectRef>
+          <a:fontRef idx="minor">
+            <a:schemeClr val="lt1"/>
+          </a:fontRef>
+        </p:style>
+        <p:txBody>
+          <a:bodyPr rtlCol="0" anchor="ctr"/>
+          <a:lstStyle/>
+          <a:p>
+            <a:pPr algn="ctr"/>
+            <a:endParaRPr lang="en-US" dirty="0"/>
+          </a:p>
+        </p:txBody>
+      </p:sp>
+      <p:sp>
+        <p:nvSpPr>
+          <p:cNvPr id="16" name="TextBox 15"/>
+          <p:cNvSpPr txBox="1"/>
+          <p:nvPr/>
+        </p:nvSpPr>
+        <p:spPr>
+          <a:xfrm>
+            <a:off x="7340292" y="3698275"/>
+            <a:ext cx="1056379" cy="276999"/>
+          </a:xfrm>
+          <a:prstGeom prst="rect">
+            <a:avLst/>
+          </a:prstGeom>
+          <a:noFill/>
+        </p:spPr>
+        <p:txBody>
+          <a:bodyPr wrap="none" rtlCol="0">
+            <a:spAutoFit/>
+          </a:bodyPr>
+          <a:lstStyle/>
+          <a:p>
+            <a:r>
+              <a:rPr lang="en-US" sz="1200" b="1" dirty="0" smtClean="0"/>
+              <a:t>Image service</a:t>
+            </a:r>
+          </a:p>
+        </p:txBody>
+      </p:sp>
+      <p:cxnSp>
+        <p:nvCxnSpPr>
+          <p:cNvPr id="18" name="Straight Arrow Connector 17"/>
+          <p:cNvCxnSpPr/>
+          <p:nvPr/>
+        </p:nvCxnSpPr>
+        <p:spPr>
+          <a:xfrm>
+            <a:off x="4395353" y="2076325"/>
+            <a:ext cx="1579420" cy="0"/>
+          </a:xfrm>
+          <a:prstGeom prst="straightConnector1">
+            <a:avLst/>
+          </a:prstGeom>
+          <a:ln>
+            <a:tailEnd type="triangle"/>
+          </a:ln>
+        </p:spPr>
+        <p:style>
+          <a:lnRef idx="1">
+            <a:schemeClr val="accent1"/>
+          </a:lnRef>
+          <a:fillRef idx="0">
+            <a:schemeClr val="accent1"/>
+          </a:fillRef>
+          <a:effectRef idx="0">
+            <a:schemeClr val="accent1"/>
+          </a:effectRef>
+          <a:fontRef idx="minor">
+            <a:schemeClr val="tx1"/>
+          </a:fontRef>
+        </p:style>
+      </p:cxnSp>
+      <p:cxnSp>
+        <p:nvCxnSpPr>
+          <p:cNvPr id="20" name="Straight Arrow Connector 19"/>
+          <p:cNvCxnSpPr/>
+          <p:nvPr/>
+        </p:nvCxnSpPr>
+        <p:spPr>
+          <a:xfrm flipH="1">
+            <a:off x="4395353" y="2696441"/>
+            <a:ext cx="1579420" cy="1"/>
+          </a:xfrm>
+          <a:prstGeom prst="straightConnector1">
+            <a:avLst/>
+          </a:prstGeom>
+          <a:ln>
+            <a:tailEnd type="triangle"/>
+          </a:ln>
+        </p:spPr>
+        <p:style>
+          <a:lnRef idx="1">
+            <a:schemeClr val="accent1"/>
+          </a:lnRef>
+          <a:fillRef idx="0">
+            <a:schemeClr val="accent1"/>
+          </a:fillRef>
+          <a:effectRef idx="0">
+            <a:schemeClr val="accent1"/>
+          </a:effectRef>
+          <a:fontRef idx="minor">
+            <a:schemeClr val="tx1"/>
+          </a:fontRef>
+        </p:style>
+      </p:cxnSp>
+      <p:sp>
+        <p:nvSpPr>
+          <p:cNvPr id="21" name="Flowchart: Magnetic Disk 20"/>
+          <p:cNvSpPr/>
+          <p:nvPr/>
+        </p:nvSpPr>
+        <p:spPr>
+          <a:xfrm>
+            <a:off x="7618659" y="2415852"/>
+            <a:ext cx="813759" cy="630487"/>
+          </a:xfrm>
+          <a:prstGeom prst="flowChartMagneticDisk">
+            <a:avLst/>
+          </a:prstGeom>
+        </p:spPr>
+        <p:style>
+          <a:lnRef idx="2">
+            <a:schemeClr val="accent1">
+              <a:shade val="50000"/>
+            </a:schemeClr>
+          </a:lnRef>
+          <a:fillRef idx="1">
+            <a:schemeClr val="accent1"/>
+          </a:fillRef>
+          <a:effectRef idx="0">
+            <a:schemeClr val="accent1"/>
+          </a:effectRef>
+          <a:fontRef idx="minor">
+            <a:schemeClr val="lt1"/>
+          </a:fontRef>
+        </p:style>
+        <p:txBody>
+          <a:bodyPr rtlCol="0" anchor="ctr"/>
+          <a:lstStyle/>
+          <a:p>
+            <a:pPr algn="ctr"/>
+            <a:endParaRPr lang="en-US"/>
+          </a:p>
+        </p:txBody>
+      </p:sp>
+      <p:cxnSp>
+        <p:nvCxnSpPr>
+          <p:cNvPr id="25" name="Straight Arrow Connector 24"/>
+          <p:cNvCxnSpPr/>
+          <p:nvPr/>
+        </p:nvCxnSpPr>
+        <p:spPr>
+          <a:xfrm flipV="1">
+            <a:off x="7117773" y="2658601"/>
+            <a:ext cx="500886" cy="48231"/>
+          </a:xfrm>
+          <a:prstGeom prst="straightConnector1">
+            <a:avLst/>
+          </a:prstGeom>
+          <a:ln>
+            <a:tailEnd type="triangle"/>
+          </a:ln>
+        </p:spPr>
+        <p:style>
+          <a:lnRef idx="1">
+            <a:schemeClr val="accent1"/>
+          </a:lnRef>
+          <a:fillRef idx="0">
+            <a:schemeClr val="accent1"/>
+          </a:fillRef>
+          <a:effectRef idx="0">
+            <a:schemeClr val="accent1"/>
+          </a:effectRef>
+          <a:fontRef idx="minor">
+            <a:schemeClr val="tx1"/>
+          </a:fontRef>
+        </p:style>
+      </p:cxnSp>
+      <p:cxnSp>
+        <p:nvCxnSpPr>
+          <p:cNvPr id="27" name="Curved Connector 26"/>
+          <p:cNvCxnSpPr>
+            <a:endCxn id="12" idx="1"/>
+          </p:cNvCxnSpPr>
+          <p:nvPr/>
+        </p:nvCxnSpPr>
+        <p:spPr>
+          <a:xfrm>
+            <a:off x="4395353" y="3498272"/>
+            <a:ext cx="2814402" cy="471056"/>
+          </a:xfrm>
+          <a:prstGeom prst="curvedConnector3">
+            <a:avLst/>
+          </a:prstGeom>
+          <a:ln>
+            <a:tailEnd type="triangle"/>
+          </a:ln>
+        </p:spPr>
+        <p:style>
+          <a:lnRef idx="1">
+            <a:schemeClr val="accent1"/>
+          </a:lnRef>
+          <a:fillRef idx="0">
+            <a:schemeClr val="accent1"/>
+          </a:fillRef>
+          <a:effectRef idx="0">
+            <a:schemeClr val="accent1"/>
+          </a:effectRef>
+          <a:fontRef idx="minor">
+            <a:schemeClr val="tx1"/>
+          </a:fontRef>
+        </p:style>
+      </p:cxnSp>
+      <p:cxnSp>
+        <p:nvCxnSpPr>
+          <p:cNvPr id="29" name="Curved Connector 28"/>
+          <p:cNvCxnSpPr/>
+          <p:nvPr/>
+        </p:nvCxnSpPr>
+        <p:spPr>
+          <a:xfrm rot="10800000">
+            <a:off x="4395353" y="3733800"/>
+            <a:ext cx="3056856" cy="456562"/>
+          </a:xfrm>
+          <a:prstGeom prst="curvedConnector3">
+            <a:avLst/>
+          </a:prstGeom>
+          <a:ln>
+            <a:tailEnd type="triangle"/>
+          </a:ln>
+        </p:spPr>
+        <p:style>
+          <a:lnRef idx="1">
+            <a:schemeClr val="accent1"/>
+          </a:lnRef>
+          <a:fillRef idx="0">
+            <a:schemeClr val="accent1"/>
+          </a:fillRef>
+          <a:effectRef idx="0">
+            <a:schemeClr val="accent1"/>
+          </a:effectRef>
+          <a:fontRef idx="minor">
+            <a:schemeClr val="tx1"/>
+          </a:fontRef>
+        </p:style>
+      </p:cxnSp>
+      <p:sp>
+        <p:nvSpPr>
+          <p:cNvPr id="30" name="Flowchart: Magnetic Disk 29"/>
+          <p:cNvSpPr/>
+          <p:nvPr/>
+        </p:nvSpPr>
+        <p:spPr>
+          <a:xfrm>
+            <a:off x="8334529" y="4052492"/>
+            <a:ext cx="679135" cy="589736"/>
+          </a:xfrm>
+          <a:prstGeom prst="flowChartMagneticDisk">
+            <a:avLst/>
+          </a:prstGeom>
+        </p:spPr>
+        <p:style>
+          <a:lnRef idx="2">
+            <a:schemeClr val="accent1">
+              <a:shade val="50000"/>
+            </a:schemeClr>
+          </a:lnRef>
+          <a:fillRef idx="1">
+            <a:schemeClr val="accent1"/>
+          </a:fillRef>
+          <a:effectRef idx="0">
+            <a:schemeClr val="accent1"/>
+          </a:effectRef>
+          <a:fontRef idx="minor">
+            <a:schemeClr val="lt1"/>
+          </a:fontRef>
+        </p:style>
+        <p:txBody>
+          <a:bodyPr rtlCol="0" anchor="ctr"/>
+          <a:lstStyle/>
+          <a:p>
+            <a:pPr algn="ctr"/>
+            <a:endParaRPr lang="en-US"/>
+          </a:p>
+        </p:txBody>
+      </p:sp>
+      <p:sp>
+        <p:nvSpPr>
+          <p:cNvPr id="31" name="Rectangle 30"/>
+          <p:cNvSpPr/>
+          <p:nvPr/>
+        </p:nvSpPr>
+        <p:spPr>
+          <a:xfrm>
+            <a:off x="7735878" y="4640915"/>
+            <a:ext cx="410050" cy="503506"/>
+          </a:xfrm>
+          <a:prstGeom prst="rect">
+            <a:avLst/>
+          </a:prstGeom>
+        </p:spPr>
+        <p:style>
+          <a:lnRef idx="2">
+            <a:schemeClr val="accent1">
+              <a:shade val="50000"/>
+            </a:schemeClr>
+          </a:lnRef>
+          <a:fillRef idx="1">
+            <a:schemeClr val="accent1"/>
+          </a:fillRef>
+          <a:effectRef idx="0">
+            <a:schemeClr val="accent1"/>
+          </a:effectRef>
+          <a:fontRef idx="minor">
+            <a:schemeClr val="lt1"/>
+          </a:fontRef>
+        </p:style>
+        <p:txBody>
+          <a:bodyPr rtlCol="0" anchor="ctr"/>
+          <a:lstStyle/>
+          <a:p>
+            <a:pPr algn="ctr"/>
+            <a:endParaRPr lang="en-US" dirty="0"/>
+          </a:p>
+        </p:txBody>
+      </p:sp>
+      <p:sp>
+        <p:nvSpPr>
+          <p:cNvPr id="32" name="Rectangle 31"/>
+          <p:cNvSpPr/>
+          <p:nvPr/>
+        </p:nvSpPr>
+        <p:spPr>
+          <a:xfrm>
+            <a:off x="7814201" y="4731837"/>
+            <a:ext cx="410050" cy="503506"/>
+          </a:xfrm>
+          <a:prstGeom prst="rect">
+            <a:avLst/>
+          </a:prstGeom>
+        </p:spPr>
+        <p:style>
+          <a:lnRef idx="2">
+            <a:schemeClr val="accent1">
+              <a:shade val="50000"/>
+            </a:schemeClr>
+          </a:lnRef>
+          <a:fillRef idx="1">
+            <a:schemeClr val="accent1"/>
+          </a:fillRef>
+          <a:effectRef idx="0">
+            <a:schemeClr val="accent1"/>
+          </a:effectRef>
+          <a:fontRef idx="minor">
+            <a:schemeClr val="lt1"/>
+          </a:fontRef>
+        </p:style>
+        <p:txBody>
+          <a:bodyPr rtlCol="0" anchor="ctr"/>
+          <a:lstStyle/>
+          <a:p>
+            <a:pPr algn="ctr"/>
+            <a:endParaRPr lang="en-US" dirty="0"/>
+          </a:p>
+        </p:txBody>
+      </p:sp>
+      <p:sp>
+        <p:nvSpPr>
+          <p:cNvPr id="33" name="Rectangle 32"/>
+          <p:cNvSpPr/>
+          <p:nvPr/>
+        </p:nvSpPr>
+        <p:spPr>
+          <a:xfrm>
+            <a:off x="7924479" y="4825179"/>
+            <a:ext cx="410050" cy="503506"/>
+          </a:xfrm>
+          <a:prstGeom prst="rect">
+            <a:avLst/>
+          </a:prstGeom>
+        </p:spPr>
+        <p:style>
+          <a:lnRef idx="2">
+            <a:schemeClr val="accent1">
+              <a:shade val="50000"/>
+            </a:schemeClr>
+          </a:lnRef>
+          <a:fillRef idx="1">
+            <a:schemeClr val="accent1"/>
+          </a:fillRef>
+          <a:effectRef idx="0">
+            <a:schemeClr val="accent1"/>
+          </a:effectRef>
+          <a:fontRef idx="minor">
+            <a:schemeClr val="lt1"/>
+          </a:fontRef>
+        </p:style>
+        <p:txBody>
+          <a:bodyPr rtlCol="0" anchor="ctr"/>
+          <a:lstStyle/>
+          <a:p>
+            <a:pPr algn="ctr"/>
+            <a:endParaRPr lang="en-US" dirty="0"/>
+          </a:p>
+        </p:txBody>
+      </p:sp>
+      <p:sp>
+        <p:nvSpPr>
+          <p:cNvPr id="34" name="TextBox 33"/>
+          <p:cNvSpPr txBox="1"/>
+          <p:nvPr/>
+        </p:nvSpPr>
+        <p:spPr>
+          <a:xfrm>
+            <a:off x="8040449" y="4996445"/>
+            <a:ext cx="1690143" cy="461665"/>
+          </a:xfrm>
+          <a:prstGeom prst="rect">
+            <a:avLst/>
+          </a:prstGeom>
+          <a:noFill/>
+        </p:spPr>
+        <p:txBody>
+          <a:bodyPr wrap="none" rtlCol="0">
+            <a:spAutoFit/>
+          </a:bodyPr>
+          <a:lstStyle/>
+          <a:p>
+            <a:r>
+              <a:rPr lang="en-US" sz="1200" dirty="0" smtClean="0"/>
+              <a:t>A distributed file system</a:t>
+            </a:r>
+          </a:p>
+          <a:p>
+            <a:endParaRPr lang="en-US" sz="1200" dirty="0"/>
+          </a:p>
+        </p:txBody>
+      </p:sp>
+      <p:sp>
+        <p:nvSpPr>
+          <p:cNvPr id="35" name="TextBox 34"/>
+          <p:cNvSpPr txBox="1"/>
+          <p:nvPr/>
+        </p:nvSpPr>
+        <p:spPr>
+          <a:xfrm>
+            <a:off x="8487102" y="4290274"/>
+            <a:ext cx="393056" cy="523220"/>
+          </a:xfrm>
+          <a:prstGeom prst="rect">
+            <a:avLst/>
+          </a:prstGeom>
+          <a:noFill/>
+        </p:spPr>
+        <p:txBody>
+          <a:bodyPr wrap="none" rtlCol="0">
+            <a:spAutoFit/>
+          </a:bodyPr>
+          <a:lstStyle/>
+          <a:p>
+            <a:r>
+              <a:rPr lang="en-US" sz="1400" dirty="0" smtClean="0"/>
+              <a:t>DB</a:t>
+            </a:r>
+          </a:p>
+          <a:p>
+            <a:endParaRPr lang="en-US" sz="1400" dirty="0"/>
+          </a:p>
+        </p:txBody>
+      </p:sp>
+      <p:cxnSp>
+        <p:nvCxnSpPr>
+          <p:cNvPr id="39" name="Straight Arrow Connector 38"/>
+          <p:cNvCxnSpPr/>
+          <p:nvPr/>
+        </p:nvCxnSpPr>
+        <p:spPr>
+          <a:xfrm flipV="1">
+            <a:off x="1818405" y="2089482"/>
+            <a:ext cx="1475512" cy="45849"/>
+          </a:xfrm>
+          <a:prstGeom prst="straightConnector1">
+            <a:avLst/>
+          </a:prstGeom>
+          <a:ln>
+            <a:tailEnd type="triangle"/>
+          </a:ln>
+        </p:spPr>
+        <p:style>
+          <a:lnRef idx="1">
+            <a:schemeClr val="accent1"/>
+          </a:lnRef>
+          <a:fillRef idx="0">
+            <a:schemeClr val="accent1"/>
+          </a:fillRef>
+          <a:effectRef idx="0">
+            <a:schemeClr val="accent1"/>
+          </a:effectRef>
+          <a:fontRef idx="minor">
+            <a:schemeClr val="tx1"/>
+          </a:fontRef>
+        </p:style>
+      </p:cxnSp>
+      <p:cxnSp>
+        <p:nvCxnSpPr>
+          <p:cNvPr id="41" name="Straight Arrow Connector 40"/>
+          <p:cNvCxnSpPr/>
+          <p:nvPr/>
+        </p:nvCxnSpPr>
+        <p:spPr>
+          <a:xfrm flipH="1">
+            <a:off x="1818404" y="2462645"/>
+            <a:ext cx="1475513" cy="0"/>
+          </a:xfrm>
+          <a:prstGeom prst="straightConnector1">
+            <a:avLst/>
+          </a:prstGeom>
+          <a:ln>
+            <a:tailEnd type="triangle"/>
+          </a:ln>
+        </p:spPr>
+        <p:style>
+          <a:lnRef idx="1">
+            <a:schemeClr val="accent1"/>
+          </a:lnRef>
+          <a:fillRef idx="0">
+            <a:schemeClr val="accent1"/>
+          </a:fillRef>
+          <a:effectRef idx="0">
+            <a:schemeClr val="accent1"/>
+          </a:effectRef>
+          <a:fontRef idx="minor">
+            <a:schemeClr val="tx1"/>
+          </a:fontRef>
+        </p:style>
+      </p:cxnSp>
+      <p:sp>
+        <p:nvSpPr>
+          <p:cNvPr id="42" name="TextBox 41"/>
+          <p:cNvSpPr txBox="1"/>
+          <p:nvPr/>
+        </p:nvSpPr>
+        <p:spPr>
+          <a:xfrm>
+            <a:off x="1851359" y="2098016"/>
+            <a:ext cx="1098378" cy="400110"/>
+          </a:xfrm>
+          <a:prstGeom prst="rect">
+            <a:avLst/>
+          </a:prstGeom>
+          <a:noFill/>
+        </p:spPr>
+        <p:txBody>
+          <a:bodyPr wrap="none" rtlCol="0">
+            <a:spAutoFit/>
+          </a:bodyPr>
+          <a:lstStyle/>
+          <a:p>
+            <a:r>
+              <a:rPr lang="en-US" sz="1000" b="1" dirty="0" smtClean="0"/>
+              <a:t>Username, token</a:t>
+            </a:r>
+          </a:p>
+          <a:p>
+            <a:endParaRPr lang="en-US" sz="1000" b="1" dirty="0"/>
+          </a:p>
+        </p:txBody>
+      </p:sp>
+      <p:sp>
+        <p:nvSpPr>
+          <p:cNvPr id="43" name="TextBox 42"/>
+          <p:cNvSpPr txBox="1"/>
+          <p:nvPr/>
+        </p:nvSpPr>
+        <p:spPr>
+          <a:xfrm>
+            <a:off x="1851358" y="1889427"/>
+            <a:ext cx="835485" cy="400110"/>
+          </a:xfrm>
+          <a:prstGeom prst="rect">
+            <a:avLst/>
+          </a:prstGeom>
+          <a:noFill/>
+        </p:spPr>
+        <p:txBody>
+          <a:bodyPr wrap="none" rtlCol="0">
+            <a:spAutoFit/>
+          </a:bodyPr>
+          <a:lstStyle/>
+          <a:p>
+            <a:r>
+              <a:rPr lang="en-US" sz="1000" b="1" dirty="0" smtClean="0"/>
+              <a:t>Update user</a:t>
+            </a:r>
+          </a:p>
+          <a:p>
+            <a:endParaRPr lang="en-US" sz="1000" b="1" dirty="0"/>
+          </a:p>
+        </p:txBody>
+      </p:sp>
+      <p:sp>
+        <p:nvSpPr>
+          <p:cNvPr id="44" name="TextBox 43"/>
+          <p:cNvSpPr txBox="1"/>
+          <p:nvPr/>
+        </p:nvSpPr>
+        <p:spPr>
+          <a:xfrm>
+            <a:off x="1973814" y="2420457"/>
+            <a:ext cx="449162" cy="246221"/>
+          </a:xfrm>
+          <a:prstGeom prst="rect">
+            <a:avLst/>
+          </a:prstGeom>
+          <a:noFill/>
+        </p:spPr>
+        <p:txBody>
+          <a:bodyPr wrap="none" rtlCol="0">
+            <a:spAutoFit/>
+          </a:bodyPr>
+          <a:lstStyle/>
+          <a:p>
+            <a:r>
+              <a:rPr lang="en-US" sz="1000" b="1" dirty="0" smtClean="0"/>
+              <a:t>RESP</a:t>
+            </a:r>
+            <a:endParaRPr lang="en-US" sz="1000" b="1" dirty="0"/>
+          </a:p>
+        </p:txBody>
+      </p:sp>
+      <p:cxnSp>
+        <p:nvCxnSpPr>
+          <p:cNvPr id="46" name="Curved Connector 45"/>
+          <p:cNvCxnSpPr/>
+          <p:nvPr/>
+        </p:nvCxnSpPr>
+        <p:spPr>
+          <a:xfrm rot="10800000" flipV="1">
+            <a:off x="1818403" y="3732689"/>
+            <a:ext cx="1475514" cy="236637"/>
+          </a:xfrm>
+          <a:prstGeom prst="curvedConnector3">
+            <a:avLst/>
+          </a:prstGeom>
+          <a:ln>
+            <a:solidFill>
+              <a:srgbClr val="FF0000"/>
+            </a:solidFill>
+            <a:tailEnd type="triangle"/>
+          </a:ln>
+        </p:spPr>
+        <p:style>
+          <a:lnRef idx="1">
+            <a:schemeClr val="accent1"/>
+          </a:lnRef>
+          <a:fillRef idx="0">
+            <a:schemeClr val="accent1"/>
+          </a:fillRef>
+          <a:effectRef idx="0">
+            <a:schemeClr val="accent1"/>
+          </a:effectRef>
+          <a:fontRef idx="minor">
+            <a:schemeClr val="tx1"/>
+          </a:fontRef>
+        </p:style>
+      </p:cxnSp>
+      <p:sp>
+        <p:nvSpPr>
+          <p:cNvPr id="47" name="TextBox 46"/>
+          <p:cNvSpPr txBox="1"/>
+          <p:nvPr/>
+        </p:nvSpPr>
+        <p:spPr>
+          <a:xfrm>
+            <a:off x="2067459" y="3942425"/>
+            <a:ext cx="505267" cy="246221"/>
+          </a:xfrm>
+          <a:prstGeom prst="rect">
+            <a:avLst/>
+          </a:prstGeom>
+          <a:noFill/>
+        </p:spPr>
+        <p:txBody>
+          <a:bodyPr wrap="none" rtlCol="0">
+            <a:spAutoFit/>
+          </a:bodyPr>
+          <a:lstStyle/>
+          <a:p>
+            <a:r>
+              <a:rPr lang="en-US" sz="1000" b="1" dirty="0" smtClean="0"/>
+              <a:t>XMPP</a:t>
+            </a:r>
+            <a:endParaRPr lang="en-US" sz="1000" b="1" dirty="0"/>
+          </a:p>
+        </p:txBody>
+      </p:sp>
+      <p:cxnSp>
+        <p:nvCxnSpPr>
+          <p:cNvPr id="49" name="Curved Connector 48"/>
+          <p:cNvCxnSpPr>
+            <a:endCxn id="6" idx="1"/>
+          </p:cNvCxnSpPr>
+          <p:nvPr/>
+        </p:nvCxnSpPr>
+        <p:spPr>
+          <a:xfrm flipV="1">
+            <a:off x="1818402" y="2686051"/>
+            <a:ext cx="1475515" cy="171449"/>
+          </a:xfrm>
+          <a:prstGeom prst="curvedConnector3">
+            <a:avLst/>
+          </a:prstGeom>
+          <a:ln>
+            <a:solidFill>
+              <a:srgbClr val="FF0000"/>
+            </a:solidFill>
+            <a:tailEnd type="triangle"/>
+          </a:ln>
+        </p:spPr>
+        <p:style>
+          <a:lnRef idx="1">
+            <a:schemeClr val="accent1"/>
+          </a:lnRef>
+          <a:fillRef idx="0">
+            <a:schemeClr val="accent1"/>
+          </a:fillRef>
+          <a:effectRef idx="0">
+            <a:schemeClr val="accent1"/>
+          </a:effectRef>
+          <a:fontRef idx="minor">
+            <a:schemeClr val="tx1"/>
+          </a:fontRef>
+        </p:style>
+      </p:cxnSp>
+      <p:sp>
+        <p:nvSpPr>
+          <p:cNvPr id="50" name="TextBox 49"/>
+          <p:cNvSpPr txBox="1"/>
+          <p:nvPr/>
+        </p:nvSpPr>
+        <p:spPr>
+          <a:xfrm>
+            <a:off x="2066656" y="2868403"/>
+            <a:ext cx="1055759" cy="400110"/>
+          </a:xfrm>
+          <a:prstGeom prst="rect">
+            <a:avLst/>
+          </a:prstGeom>
+          <a:noFill/>
+        </p:spPr>
+        <p:txBody>
+          <a:bodyPr wrap="square" rtlCol="0">
+            <a:spAutoFit/>
+          </a:bodyPr>
+          <a:lstStyle/>
+          <a:p>
+            <a:r>
+              <a:rPr lang="en-US" sz="1000" b="1" dirty="0" smtClean="0"/>
+              <a:t>XMPP</a:t>
+            </a:r>
+          </a:p>
+          <a:p>
+            <a:r>
+              <a:rPr lang="en-US" sz="1000" dirty="0" smtClean="0"/>
+              <a:t>For messaging</a:t>
+            </a:r>
+            <a:endParaRPr lang="en-US" sz="1000" dirty="0"/>
+          </a:p>
+        </p:txBody>
+      </p:sp>
+      <p:sp>
+        <p:nvSpPr>
+          <p:cNvPr id="51" name="TextBox 50"/>
+          <p:cNvSpPr txBox="1"/>
+          <p:nvPr/>
+        </p:nvSpPr>
+        <p:spPr>
+          <a:xfrm>
+            <a:off x="2746002" y="3390256"/>
+            <a:ext cx="1720071" cy="707886"/>
+          </a:xfrm>
+          <a:prstGeom prst="rect">
+            <a:avLst/>
+          </a:prstGeom>
+          <a:noFill/>
+        </p:spPr>
+        <p:txBody>
+          <a:bodyPr wrap="square" rtlCol="0">
+            <a:spAutoFit/>
+          </a:bodyPr>
+          <a:lstStyle/>
+          <a:p>
+            <a:r>
+              <a:rPr lang="en-US" sz="1000" b="1" dirty="0" smtClean="0"/>
+              <a:t>Web socket connection</a:t>
+            </a:r>
+          </a:p>
+          <a:p>
+            <a:r>
+              <a:rPr lang="en-US" sz="1000" b="1" dirty="0" smtClean="0"/>
+              <a:t>Or will write connection of my own TCP</a:t>
+            </a:r>
+          </a:p>
+          <a:p>
+            <a:endParaRPr lang="en-US" sz="1000" b="1" dirty="0"/>
+          </a:p>
+        </p:txBody>
+      </p:sp>
+      <p:sp>
+        <p:nvSpPr>
+          <p:cNvPr id="52" name="Rectangle 51"/>
+          <p:cNvSpPr/>
+          <p:nvPr/>
+        </p:nvSpPr>
+        <p:spPr>
+          <a:xfrm>
+            <a:off x="5403273" y="809315"/>
+            <a:ext cx="571500" cy="711618"/>
+          </a:xfrm>
+          <a:prstGeom prst="rect">
+            <a:avLst/>
+          </a:prstGeom>
+          <a:solidFill>
+            <a:schemeClr val="accent6"/>
+          </a:solidFill>
+        </p:spPr>
+        <p:style>
+          <a:lnRef idx="2">
+            <a:schemeClr val="accent1">
+              <a:shade val="50000"/>
+            </a:schemeClr>
+          </a:lnRef>
+          <a:fillRef idx="1">
+            <a:schemeClr val="accent1"/>
+          </a:fillRef>
+          <a:effectRef idx="0">
+            <a:schemeClr val="accent1"/>
+          </a:effectRef>
+          <a:fontRef idx="minor">
+            <a:schemeClr val="lt1"/>
+          </a:fontRef>
+        </p:style>
+        <p:txBody>
+          <a:bodyPr rtlCol="0" anchor="ctr"/>
+          <a:lstStyle/>
+          <a:p>
+            <a:pPr algn="ctr"/>
+            <a:endParaRPr lang="en-US"/>
+          </a:p>
+        </p:txBody>
+      </p:sp>
+      <p:sp>
+        <p:nvSpPr>
+          <p:cNvPr id="53" name="TextBox 52"/>
+          <p:cNvSpPr txBox="1"/>
+          <p:nvPr/>
+        </p:nvSpPr>
+        <p:spPr>
+          <a:xfrm>
+            <a:off x="5287074" y="765666"/>
+            <a:ext cx="1202317" cy="276999"/>
+          </a:xfrm>
+          <a:prstGeom prst="rect">
+            <a:avLst/>
+          </a:prstGeom>
+          <a:noFill/>
+        </p:spPr>
+        <p:txBody>
+          <a:bodyPr wrap="none" rtlCol="0">
+            <a:spAutoFit/>
+          </a:bodyPr>
+          <a:lstStyle/>
+          <a:p>
+            <a:r>
+              <a:rPr lang="en-US" sz="1200" b="1" dirty="0" smtClean="0"/>
+              <a:t>Sessions service</a:t>
+            </a:r>
+          </a:p>
+        </p:txBody>
+      </p:sp>
+      <p:sp>
+        <p:nvSpPr>
+          <p:cNvPr id="54" name="Flowchart: Magnetic Disk 53"/>
+          <p:cNvSpPr/>
+          <p:nvPr/>
+        </p:nvSpPr>
+        <p:spPr>
+          <a:xfrm>
+            <a:off x="6576891" y="870326"/>
+            <a:ext cx="467678" cy="366558"/>
+          </a:xfrm>
+          <a:prstGeom prst="flowChartMagneticDisk">
+            <a:avLst/>
+          </a:prstGeom>
+        </p:spPr>
+        <p:style>
+          <a:lnRef idx="2">
+            <a:schemeClr val="accent1">
+              <a:shade val="50000"/>
+            </a:schemeClr>
+          </a:lnRef>
+          <a:fillRef idx="1">
+            <a:schemeClr val="accent1"/>
+          </a:fillRef>
+          <a:effectRef idx="0">
+            <a:schemeClr val="accent1"/>
+          </a:effectRef>
+          <a:fontRef idx="minor">
+            <a:schemeClr val="lt1"/>
+          </a:fontRef>
+        </p:style>
+        <p:txBody>
+          <a:bodyPr rtlCol="0" anchor="ctr"/>
+          <a:lstStyle/>
+          <a:p>
+            <a:pPr algn="ctr"/>
+            <a:endParaRPr lang="en-US"/>
+          </a:p>
+        </p:txBody>
+      </p:sp>
+      <p:cxnSp>
+        <p:nvCxnSpPr>
+          <p:cNvPr id="56" name="Straight Arrow Connector 55"/>
+          <p:cNvCxnSpPr>
+            <a:stCxn id="52" idx="3"/>
+            <a:endCxn id="54" idx="2"/>
+          </p:cNvCxnSpPr>
+          <p:nvPr/>
+        </p:nvCxnSpPr>
+        <p:spPr>
+          <a:xfrm flipV="1">
+            <a:off x="5974773" y="1053605"/>
+            <a:ext cx="602118" cy="111519"/>
+          </a:xfrm>
+          <a:prstGeom prst="straightConnector1">
+            <a:avLst/>
+          </a:prstGeom>
+          <a:ln>
+            <a:solidFill>
+              <a:srgbClr val="FF0000"/>
+            </a:solidFill>
+            <a:tailEnd type="triangle"/>
+          </a:ln>
+        </p:spPr>
+        <p:style>
+          <a:lnRef idx="1">
+            <a:schemeClr val="accent1"/>
+          </a:lnRef>
+          <a:fillRef idx="0">
+            <a:schemeClr val="accent1"/>
+          </a:fillRef>
+          <a:effectRef idx="0">
+            <a:schemeClr val="accent1"/>
+          </a:effectRef>
+          <a:fontRef idx="minor">
+            <a:schemeClr val="tx1"/>
+          </a:fontRef>
+        </p:style>
+      </p:cxnSp>
+      <p:sp>
+        <p:nvSpPr>
+          <p:cNvPr id="57" name="TextBox 56"/>
+          <p:cNvSpPr txBox="1"/>
+          <p:nvPr/>
+        </p:nvSpPr>
+        <p:spPr>
+          <a:xfrm>
+            <a:off x="6751890" y="950497"/>
+            <a:ext cx="894797" cy="246221"/>
+          </a:xfrm>
+          <a:prstGeom prst="rect">
+            <a:avLst/>
+          </a:prstGeom>
+          <a:noFill/>
+        </p:spPr>
+        <p:txBody>
+          <a:bodyPr wrap="none" rtlCol="0">
+            <a:spAutoFit/>
+          </a:bodyPr>
+          <a:lstStyle/>
+          <a:p>
+            <a:r>
+              <a:rPr lang="en-US" sz="1000" dirty="0" err="1" smtClean="0"/>
+              <a:t>Userid</a:t>
+            </a:r>
+            <a:r>
+              <a:rPr lang="en-US" sz="1000" dirty="0" smtClean="0"/>
+              <a:t> | conn</a:t>
+            </a:r>
+            <a:endParaRPr lang="en-US" sz="1000" dirty="0"/>
+          </a:p>
+        </p:txBody>
+      </p:sp>
+      <p:cxnSp>
+        <p:nvCxnSpPr>
+          <p:cNvPr id="59" name="Straight Arrow Connector 58"/>
+          <p:cNvCxnSpPr>
+            <a:endCxn id="52" idx="1"/>
+          </p:cNvCxnSpPr>
+          <p:nvPr/>
+        </p:nvCxnSpPr>
+        <p:spPr>
+          <a:xfrm flipV="1">
+            <a:off x="4395352" y="1165124"/>
+            <a:ext cx="1007921" cy="606981"/>
+          </a:xfrm>
+          <a:prstGeom prst="straightConnector1">
+            <a:avLst/>
+          </a:prstGeom>
+          <a:ln>
+            <a:solidFill>
+              <a:srgbClr val="FF0000"/>
+            </a:solidFill>
+            <a:tailEnd type="triangle"/>
+          </a:ln>
+        </p:spPr>
+        <p:style>
+          <a:lnRef idx="1">
+            <a:schemeClr val="accent1"/>
+          </a:lnRef>
+          <a:fillRef idx="0">
+            <a:schemeClr val="accent1"/>
+          </a:fillRef>
+          <a:effectRef idx="0">
+            <a:schemeClr val="accent1"/>
+          </a:effectRef>
+          <a:fontRef idx="minor">
+            <a:schemeClr val="tx1"/>
+          </a:fontRef>
+        </p:style>
+      </p:cxnSp>
+      <p:sp>
+        <p:nvSpPr>
+          <p:cNvPr id="60" name="Rectangle 59"/>
+          <p:cNvSpPr/>
+          <p:nvPr/>
+        </p:nvSpPr>
+        <p:spPr>
+          <a:xfrm>
+            <a:off x="5434173" y="4260996"/>
+            <a:ext cx="571500" cy="711618"/>
+          </a:xfrm>
+          <a:prstGeom prst="rect">
+            <a:avLst/>
+          </a:prstGeom>
+          <a:solidFill>
+            <a:schemeClr val="accent6"/>
+          </a:solidFill>
+        </p:spPr>
+        <p:style>
+          <a:lnRef idx="2">
+            <a:schemeClr val="accent1">
+              <a:shade val="50000"/>
+            </a:schemeClr>
+          </a:lnRef>
+          <a:fillRef idx="1">
+            <a:schemeClr val="accent1"/>
+          </a:fillRef>
+          <a:effectRef idx="0">
+            <a:schemeClr val="accent1"/>
+          </a:effectRef>
+          <a:fontRef idx="minor">
+            <a:schemeClr val="lt1"/>
+          </a:fontRef>
+        </p:style>
+        <p:txBody>
+          <a:bodyPr rtlCol="0" anchor="ctr"/>
+          <a:lstStyle/>
+          <a:p>
+            <a:pPr algn="ctr"/>
+            <a:endParaRPr lang="en-US"/>
+          </a:p>
+        </p:txBody>
+      </p:sp>
+      <p:sp>
+        <p:nvSpPr>
+          <p:cNvPr id="61" name="TextBox 60"/>
+          <p:cNvSpPr txBox="1"/>
+          <p:nvPr/>
+        </p:nvSpPr>
+        <p:spPr>
+          <a:xfrm>
+            <a:off x="4878253" y="4731993"/>
+            <a:ext cx="1203663" cy="276999"/>
+          </a:xfrm>
+          <a:prstGeom prst="rect">
+            <a:avLst/>
+          </a:prstGeom>
+          <a:noFill/>
+        </p:spPr>
+        <p:txBody>
+          <a:bodyPr wrap="none" rtlCol="0">
+            <a:spAutoFit/>
+          </a:bodyPr>
+          <a:lstStyle/>
+          <a:p>
+            <a:r>
+              <a:rPr lang="en-US" sz="1200" b="1" dirty="0" smtClean="0"/>
+              <a:t>Matcher service</a:t>
+            </a:r>
+          </a:p>
+        </p:txBody>
+      </p:sp>
+      <p:sp>
+        <p:nvSpPr>
+          <p:cNvPr id="62" name="Flowchart: Magnetic Disk 61"/>
+          <p:cNvSpPr/>
+          <p:nvPr/>
+        </p:nvSpPr>
+        <p:spPr>
+          <a:xfrm>
+            <a:off x="6337611" y="4448278"/>
+            <a:ext cx="467678" cy="366558"/>
+          </a:xfrm>
+          <a:prstGeom prst="flowChartMagneticDisk">
+            <a:avLst/>
+          </a:prstGeom>
+        </p:spPr>
+        <p:style>
+          <a:lnRef idx="2">
+            <a:schemeClr val="accent1">
+              <a:shade val="50000"/>
+            </a:schemeClr>
+          </a:lnRef>
+          <a:fillRef idx="1">
+            <a:schemeClr val="accent1"/>
+          </a:fillRef>
+          <a:effectRef idx="0">
+            <a:schemeClr val="accent1"/>
+          </a:effectRef>
+          <a:fontRef idx="minor">
+            <a:schemeClr val="lt1"/>
+          </a:fontRef>
+        </p:style>
+        <p:txBody>
+          <a:bodyPr rtlCol="0" anchor="ctr"/>
+          <a:lstStyle/>
+          <a:p>
+            <a:pPr algn="ctr"/>
+            <a:endParaRPr lang="en-US"/>
+          </a:p>
+        </p:txBody>
+      </p:sp>
+      <p:sp>
+        <p:nvSpPr>
+          <p:cNvPr id="63" name="TextBox 62"/>
+          <p:cNvSpPr txBox="1"/>
+          <p:nvPr/>
+        </p:nvSpPr>
+        <p:spPr>
+          <a:xfrm>
+            <a:off x="6268524" y="4567273"/>
+            <a:ext cx="946093" cy="246221"/>
+          </a:xfrm>
+          <a:prstGeom prst="rect">
+            <a:avLst/>
+          </a:prstGeom>
+          <a:noFill/>
+        </p:spPr>
+        <p:txBody>
+          <a:bodyPr wrap="none" rtlCol="0">
+            <a:spAutoFit/>
+          </a:bodyPr>
+          <a:lstStyle/>
+          <a:p>
+            <a:r>
+              <a:rPr lang="en-US" sz="1000" dirty="0" err="1"/>
+              <a:t>u</a:t>
+            </a:r>
+            <a:r>
+              <a:rPr lang="en-US" sz="1000" dirty="0" err="1" smtClean="0"/>
+              <a:t>serid</a:t>
+            </a:r>
+            <a:r>
+              <a:rPr lang="en-US" sz="1000" dirty="0" smtClean="0"/>
+              <a:t> | </a:t>
+            </a:r>
+            <a:r>
+              <a:rPr lang="en-US" sz="1000" dirty="0" err="1" smtClean="0"/>
+              <a:t>userid</a:t>
+            </a:r>
+            <a:endParaRPr lang="en-US" sz="1000" dirty="0"/>
+          </a:p>
+        </p:txBody>
+      </p:sp>
+      <p:cxnSp>
+        <p:nvCxnSpPr>
+          <p:cNvPr id="67" name="Curved Connector 66"/>
+          <p:cNvCxnSpPr>
+            <a:endCxn id="60" idx="1"/>
+          </p:cNvCxnSpPr>
+          <p:nvPr/>
+        </p:nvCxnSpPr>
+        <p:spPr>
+          <a:xfrm>
+            <a:off x="4395352" y="3646734"/>
+            <a:ext cx="1038821" cy="970071"/>
+          </a:xfrm>
+          <a:prstGeom prst="curvedConnector3">
+            <a:avLst/>
+          </a:prstGeom>
+          <a:ln>
+            <a:solidFill>
+              <a:srgbClr val="FF0000"/>
+            </a:solidFill>
+            <a:headEnd type="triangle"/>
+            <a:tailEnd type="triangle"/>
+          </a:ln>
+        </p:spPr>
+        <p:style>
+          <a:lnRef idx="1">
+            <a:schemeClr val="accent1"/>
+          </a:lnRef>
+          <a:fillRef idx="0">
+            <a:schemeClr val="accent1"/>
+          </a:fillRef>
+          <a:effectRef idx="0">
+            <a:schemeClr val="accent1"/>
+          </a:effectRef>
+          <a:fontRef idx="minor">
+            <a:schemeClr val="tx1"/>
+          </a:fontRef>
+        </p:style>
+      </p:cxnSp>
+      <p:cxnSp>
+        <p:nvCxnSpPr>
+          <p:cNvPr id="69" name="Curved Connector 68"/>
+          <p:cNvCxnSpPr>
+            <a:stCxn id="52" idx="2"/>
+          </p:cNvCxnSpPr>
+          <p:nvPr/>
+        </p:nvCxnSpPr>
+        <p:spPr>
+          <a:xfrm rot="5400000">
+            <a:off x="4240892" y="2847550"/>
+            <a:ext cx="2774749" cy="121514"/>
+          </a:xfrm>
+          <a:prstGeom prst="curvedConnector3">
+            <a:avLst/>
+          </a:prstGeom>
+          <a:ln>
+            <a:solidFill>
+              <a:srgbClr val="FF0000"/>
+            </a:solidFill>
+            <a:headEnd type="triangle"/>
+            <a:tailEnd type="triangle"/>
+          </a:ln>
+        </p:spPr>
+        <p:style>
+          <a:lnRef idx="1">
+            <a:schemeClr val="accent1"/>
+          </a:lnRef>
+          <a:fillRef idx="0">
+            <a:schemeClr val="accent1"/>
+          </a:fillRef>
+          <a:effectRef idx="0">
+            <a:schemeClr val="accent1"/>
+          </a:effectRef>
+          <a:fontRef idx="minor">
+            <a:schemeClr val="tx1"/>
+          </a:fontRef>
+        </p:style>
+      </p:cxnSp>
+      <p:sp>
+        <p:nvSpPr>
+          <p:cNvPr id="70" name="Rectangle 69"/>
+          <p:cNvSpPr/>
+          <p:nvPr/>
+        </p:nvSpPr>
+        <p:spPr>
+          <a:xfrm>
+            <a:off x="4051058" y="4842173"/>
+            <a:ext cx="571500" cy="711618"/>
+          </a:xfrm>
+          <a:prstGeom prst="rect">
+            <a:avLst/>
+          </a:prstGeom>
+          <a:solidFill>
+            <a:schemeClr val="accent6"/>
+          </a:solidFill>
+        </p:spPr>
+        <p:style>
+          <a:lnRef idx="2">
+            <a:schemeClr val="accent1">
+              <a:shade val="50000"/>
+            </a:schemeClr>
+          </a:lnRef>
+          <a:fillRef idx="1">
+            <a:schemeClr val="accent1"/>
+          </a:fillRef>
+          <a:effectRef idx="0">
+            <a:schemeClr val="accent1"/>
+          </a:effectRef>
+          <a:fontRef idx="minor">
+            <a:schemeClr val="lt1"/>
+          </a:fontRef>
+        </p:style>
+        <p:txBody>
+          <a:bodyPr rtlCol="0" anchor="ctr"/>
+          <a:lstStyle/>
+          <a:p>
+            <a:pPr algn="ctr"/>
+            <a:endParaRPr lang="en-US"/>
+          </a:p>
+        </p:txBody>
+      </p:sp>
+      <p:sp>
+        <p:nvSpPr>
+          <p:cNvPr id="71" name="TextBox 70"/>
+          <p:cNvSpPr txBox="1"/>
+          <p:nvPr/>
+        </p:nvSpPr>
+        <p:spPr>
+          <a:xfrm>
+            <a:off x="3999802" y="5270425"/>
+            <a:ext cx="2337809" cy="646331"/>
+          </a:xfrm>
+          <a:prstGeom prst="rect">
+            <a:avLst/>
+          </a:prstGeom>
+          <a:noFill/>
+        </p:spPr>
+        <p:txBody>
+          <a:bodyPr wrap="square" rtlCol="0">
+            <a:spAutoFit/>
+          </a:bodyPr>
+          <a:lstStyle/>
+          <a:p>
+            <a:r>
+              <a:rPr lang="en-US" sz="1200" b="1" dirty="0" smtClean="0"/>
+              <a:t>Recommendation service</a:t>
+            </a:r>
+          </a:p>
+          <a:p>
+            <a:r>
+              <a:rPr lang="en-US" sz="1200" dirty="0" smtClean="0"/>
+              <a:t>Even it can use data from profile service</a:t>
+            </a:r>
+          </a:p>
+        </p:txBody>
+      </p:sp>
+      <p:sp>
+        <p:nvSpPr>
+          <p:cNvPr id="72" name="Flowchart: Magnetic Disk 71"/>
+          <p:cNvSpPr/>
+          <p:nvPr/>
+        </p:nvSpPr>
+        <p:spPr>
+          <a:xfrm>
+            <a:off x="3242206" y="5112078"/>
+            <a:ext cx="467678" cy="366558"/>
+          </a:xfrm>
+          <a:prstGeom prst="flowChartMagneticDisk">
+            <a:avLst/>
+          </a:prstGeom>
+        </p:spPr>
+        <p:style>
+          <a:lnRef idx="2">
+            <a:schemeClr val="accent1">
+              <a:shade val="50000"/>
+            </a:schemeClr>
+          </a:lnRef>
+          <a:fillRef idx="1">
+            <a:schemeClr val="accent1"/>
+          </a:fillRef>
+          <a:effectRef idx="0">
+            <a:schemeClr val="accent1"/>
+          </a:effectRef>
+          <a:fontRef idx="minor">
+            <a:schemeClr val="lt1"/>
+          </a:fontRef>
+        </p:style>
+        <p:txBody>
+          <a:bodyPr rtlCol="0" anchor="ctr"/>
+          <a:lstStyle/>
+          <a:p>
+            <a:pPr algn="ctr"/>
+            <a:endParaRPr lang="en-US"/>
+          </a:p>
+        </p:txBody>
+      </p:sp>
+      <p:sp>
+        <p:nvSpPr>
+          <p:cNvPr id="73" name="TextBox 72"/>
+          <p:cNvSpPr txBox="1"/>
+          <p:nvPr/>
+        </p:nvSpPr>
+        <p:spPr>
+          <a:xfrm>
+            <a:off x="2769810" y="5224253"/>
+            <a:ext cx="1042273" cy="246221"/>
+          </a:xfrm>
+          <a:prstGeom prst="rect">
+            <a:avLst/>
+          </a:prstGeom>
+          <a:noFill/>
+        </p:spPr>
+        <p:txBody>
+          <a:bodyPr wrap="none" rtlCol="0">
+            <a:spAutoFit/>
+          </a:bodyPr>
+          <a:lstStyle/>
+          <a:p>
+            <a:r>
+              <a:rPr lang="en-US" sz="1000" dirty="0" err="1"/>
+              <a:t>u</a:t>
+            </a:r>
+            <a:r>
+              <a:rPr lang="en-US" sz="1000" dirty="0" err="1" smtClean="0"/>
+              <a:t>serid</a:t>
+            </a:r>
+            <a:r>
+              <a:rPr lang="en-US" sz="1000" dirty="0" smtClean="0"/>
+              <a:t> | location</a:t>
+            </a:r>
+            <a:endParaRPr lang="en-US" sz="1000" dirty="0"/>
+          </a:p>
+        </p:txBody>
+      </p:sp>
+      <p:cxnSp>
+        <p:nvCxnSpPr>
+          <p:cNvPr id="75" name="Curved Connector 74"/>
+          <p:cNvCxnSpPr>
+            <a:stCxn id="70" idx="0"/>
+          </p:cNvCxnSpPr>
+          <p:nvPr/>
+        </p:nvCxnSpPr>
+        <p:spPr>
+          <a:xfrm rot="16200000" flipV="1">
+            <a:off x="3744059" y="4249424"/>
+            <a:ext cx="899748" cy="285750"/>
+          </a:xfrm>
+          <a:prstGeom prst="curvedConnector3">
+            <a:avLst/>
+          </a:prstGeom>
+          <a:ln>
+            <a:solidFill>
+              <a:schemeClr val="bg2">
+                <a:lumMod val="10000"/>
+              </a:schemeClr>
+            </a:solidFill>
+            <a:headEnd type="triangle"/>
+            <a:tailEnd type="triangle"/>
+          </a:ln>
+        </p:spPr>
+        <p:style>
+          <a:lnRef idx="1">
+            <a:schemeClr val="accent1"/>
+          </a:lnRef>
+          <a:fillRef idx="0">
+            <a:schemeClr val="accent1"/>
+          </a:fillRef>
+          <a:effectRef idx="0">
+            <a:schemeClr val="accent1"/>
+          </a:effectRef>
+          <a:fontRef idx="minor">
+            <a:schemeClr val="tx1"/>
+          </a:fontRef>
+        </p:style>
+      </p:cxnSp>
+      <p:cxnSp>
+        <p:nvCxnSpPr>
+          <p:cNvPr id="77" name="Straight Arrow Connector 76"/>
+          <p:cNvCxnSpPr>
+            <a:stCxn id="60" idx="3"/>
+          </p:cNvCxnSpPr>
+          <p:nvPr/>
+        </p:nvCxnSpPr>
+        <p:spPr>
+          <a:xfrm>
+            <a:off x="6005673" y="4616805"/>
+            <a:ext cx="412465" cy="1809"/>
+          </a:xfrm>
+          <a:prstGeom prst="straightConnector1">
+            <a:avLst/>
+          </a:prstGeom>
+          <a:ln>
+            <a:solidFill>
+              <a:srgbClr val="FF0000"/>
+            </a:solidFill>
+            <a:headEnd type="triangle"/>
+            <a:tailEnd type="triangle"/>
+          </a:ln>
+        </p:spPr>
+        <p:style>
+          <a:lnRef idx="1">
+            <a:schemeClr val="accent1"/>
+          </a:lnRef>
+          <a:fillRef idx="0">
+            <a:schemeClr val="accent1"/>
+          </a:fillRef>
+          <a:effectRef idx="0">
+            <a:schemeClr val="accent1"/>
+          </a:effectRef>
+          <a:fontRef idx="minor">
+            <a:schemeClr val="tx1"/>
+          </a:fontRef>
+        </p:style>
+      </p:cxnSp>
+    </p:spTree>
+    <p:extLst>
+      <p:ext uri="{BB962C8B-B14F-4D97-AF65-F5344CB8AC3E}">
+        <p14:creationId xmlns:p14="http://schemas.microsoft.com/office/powerpoint/2010/main" val="2881948713"/>
+      </p:ext>
+    </p:extLst>
+  </p:cSld>
+  <p:clrMapOvr>
+    <a:masterClrMapping/>
+  </p:clrMapOvr>
+</p:sld>
+</file>
+
 <file path=ppt/slides/slide3.xml><?xml version="1.0" encoding="utf-8"?>
 <p:sld xmlns:a="http://schemas.openxmlformats.org/drawingml/2006/main" xmlns:r="http://schemas.openxmlformats.org/officeDocument/2006/relationships" xmlns:p="http://schemas.openxmlformats.org/presentationml/2006/main">
   <p:cSld>
@@ -3328,18 +5110,53 @@
       </p:grpSpPr>
       <p:sp>
         <p:nvSpPr>
+          <p:cNvPr id="2" name="Title 1"/>
+          <p:cNvSpPr>
+            <a:spLocks noGrp="1"/>
+          </p:cNvSpPr>
+          <p:nvPr>
+            <p:ph type="title"/>
+          </p:nvPr>
+        </p:nvSpPr>
+        <p:spPr>
+          <a:xfrm>
+            <a:off x="838200" y="365126"/>
+            <a:ext cx="10515600" cy="466148"/>
+          </a:xfrm>
+        </p:spPr>
+        <p:txBody>
+          <a:bodyPr>
+            <a:normAutofit/>
+          </a:bodyPr>
+          <a:lstStyle/>
+          <a:p>
+            <a:r>
+              <a:rPr lang="en-US" sz="2000" b="1" dirty="0" smtClean="0"/>
+              <a:t>Fault tolerant</a:t>
+            </a:r>
+            <a:endParaRPr lang="en-US" sz="2000" b="1" dirty="0"/>
+          </a:p>
+        </p:txBody>
+      </p:sp>
+      <p:sp>
+        <p:nvSpPr>
           <p:cNvPr id="4" name="Rectangle 3"/>
           <p:cNvSpPr/>
           <p:nvPr/>
         </p:nvSpPr>
         <p:spPr>
           <a:xfrm>
-            <a:off x="1444331" y="2004971"/>
-            <a:ext cx="374073" cy="942583"/>
+            <a:off x="5081155" y="1467717"/>
+            <a:ext cx="1000991" cy="716973"/>
           </a:xfrm>
           <a:prstGeom prst="rect">
             <a:avLst/>
           </a:prstGeom>
+          <a:solidFill>
+            <a:schemeClr val="accent1">
+              <a:lumMod val="50000"/>
+            </a:schemeClr>
+          </a:solidFill>
         </p:spPr>
         <p:style>
           <a:lnRef idx="2">
@@ -3362,7 +5179,11 @@
           <a:lstStyle/>
           <a:p>
             <a:pPr algn="ctr"/>
-            <a:endParaRPr lang="en-US"/>
+            <a:r>
+              <a:rPr lang="en-US" sz="1200" b="1" dirty="0" smtClean="0"/>
+              <a:t>Application Node</a:t>
+            </a:r>
+            <a:endParaRPr lang="en-US" sz="1200" b="1" dirty="0"/>
           </a:p>
         </p:txBody>
       </p:sp>
@@ -3374,12 +5195,17 @@
         </p:nvSpPr>
         <p:spPr>
           <a:xfrm>
-            <a:off x="1444330" y="3501774"/>
-            <a:ext cx="374073" cy="550718"/>
+            <a:off x="958726" y="1994166"/>
+            <a:ext cx="571500" cy="333398"/>
           </a:xfrm>
           <a:prstGeom prst="rect">
             <a:avLst/>
           </a:prstGeom>
+          <a:solidFill>
+            <a:schemeClr val="bg2">
+              <a:lumMod val="10000"/>
+            </a:schemeClr>
+          </a:solidFill>
         </p:spPr>
         <p:style>
           <a:lnRef idx="2">
@@ -3402,28 +5228,31 @@
           <a:lstStyle/>
           <a:p>
             <a:pPr algn="ctr"/>
-            <a:endParaRPr lang="en-US"/>
-          </a:p>
-        </p:txBody>
-      </p:sp>
-      <p:sp>
-        <p:nvSpPr>
-          <p:cNvPr id="6" name="Rounded Rectangle 5"/>
+            <a:r>
+              <a:rPr lang="en-US" sz="1200" b="1" dirty="0" smtClean="0"/>
+              <a:t>Client</a:t>
+            </a:r>
+            <a:endParaRPr lang="en-US" sz="1200" b="1" dirty="0"/>
+          </a:p>
+        </p:txBody>
+      </p:sp>
+      <p:sp>
+        <p:nvSpPr>
+          <p:cNvPr id="6" name="Can 5"/>
           <p:cNvSpPr/>
           <p:nvPr/>
         </p:nvSpPr>
         <p:spPr>
           <a:xfrm>
-            <a:off x="3293917" y="1402773"/>
-            <a:ext cx="1101436" cy="2566555"/>
-          </a:xfrm>
-          <a:prstGeom prst="roundRect">
+            <a:off x="7827818" y="1400176"/>
+            <a:ext cx="685800" cy="540327"/>
+          </a:xfrm>
+          <a:prstGeom prst="can">
             <a:avLst/>
           </a:prstGeom>
           <a:solidFill>
-            <a:schemeClr val="accent2">
-              <a:lumMod val="60000"/>
-              <a:lumOff val="40000"/>
+            <a:schemeClr val="accent1">
+              <a:lumMod val="75000"/>
             </a:schemeClr>
           </a:solidFill>
         </p:spPr>
@@ -3448,319 +5277,33 @@
           <a:lstStyle/>
           <a:p>
             <a:pPr algn="ctr"/>
-            <a:endParaRPr lang="en-US" dirty="0"/>
-          </a:p>
-        </p:txBody>
-      </p:sp>
-      <p:sp>
-        <p:nvSpPr>
-          <p:cNvPr id="8" name="TextBox 7"/>
-          <p:cNvSpPr txBox="1"/>
-          <p:nvPr/>
-        </p:nvSpPr>
-        <p:spPr>
-          <a:xfrm>
-            <a:off x="2269100" y="156458"/>
-            <a:ext cx="2504981" cy="954107"/>
+            <a:r>
+              <a:rPr lang="en-US" sz="1200" b="1" dirty="0" smtClean="0"/>
+              <a:t>DB Node 1</a:t>
+            </a:r>
+            <a:endParaRPr lang="en-US" sz="1200" b="1" dirty="0"/>
+          </a:p>
+        </p:txBody>
+      </p:sp>
+      <p:sp>
+        <p:nvSpPr>
+          <p:cNvPr id="25" name="Rectangle 24"/>
+          <p:cNvSpPr/>
+          <p:nvPr/>
+        </p:nvSpPr>
+        <p:spPr>
+          <a:xfrm>
+            <a:off x="5081155" y="2631500"/>
+            <a:ext cx="1000991" cy="716973"/>
           </a:xfrm>
           <a:prstGeom prst="rect">
             <a:avLst/>
           </a:prstGeom>
-          <a:noFill/>
-        </p:spPr>
-        <p:txBody>
-          <a:bodyPr wrap="none" rtlCol="0">
-            <a:spAutoFit/>
-          </a:bodyPr>
-          <a:lstStyle/>
-          <a:p>
-            <a:r>
-              <a:rPr lang="en-US" sz="1400" b="1" dirty="0" smtClean="0"/>
-              <a:t>Gate way service</a:t>
-            </a:r>
-          </a:p>
-          <a:p>
-            <a:r>
-              <a:rPr lang="en-US" sz="1400" dirty="0" smtClean="0"/>
-              <a:t>Takes the common tasks</a:t>
-            </a:r>
-          </a:p>
-          <a:p>
-            <a:r>
-              <a:rPr lang="en-US" sz="1400" dirty="0" smtClean="0"/>
-              <a:t>requires on multiple service like</a:t>
-            </a:r>
-          </a:p>
-          <a:p>
-            <a:r>
-              <a:rPr lang="en-US" sz="1400" dirty="0" smtClean="0"/>
-              <a:t>authentication</a:t>
-            </a:r>
-            <a:endParaRPr lang="en-US" sz="1400" dirty="0"/>
-          </a:p>
-        </p:txBody>
-      </p:sp>
-      <p:sp>
-        <p:nvSpPr>
-          <p:cNvPr id="9" name="TextBox 8"/>
-          <p:cNvSpPr txBox="1"/>
-          <p:nvPr/>
-        </p:nvSpPr>
-        <p:spPr>
-          <a:xfrm>
-            <a:off x="2269100" y="1009280"/>
-            <a:ext cx="2149435" cy="523220"/>
-          </a:xfrm>
-          <a:prstGeom prst="rect">
-            <a:avLst/>
-          </a:prstGeom>
-          <a:noFill/>
-        </p:spPr>
-        <p:txBody>
-          <a:bodyPr wrap="none" rtlCol="0">
-            <a:spAutoFit/>
-          </a:bodyPr>
-          <a:lstStyle/>
-          <a:p>
-            <a:r>
-              <a:rPr lang="en-US" sz="1400" dirty="0" smtClean="0"/>
-              <a:t>Can separate out protocols</a:t>
-            </a:r>
-          </a:p>
-          <a:p>
-            <a:r>
-              <a:rPr lang="en-US" sz="1400" dirty="0" smtClean="0"/>
-              <a:t>From one to other point </a:t>
-            </a:r>
-            <a:endParaRPr lang="en-US" sz="1400" dirty="0"/>
-          </a:p>
-        </p:txBody>
-      </p:sp>
-      <p:sp>
-        <p:nvSpPr>
-          <p:cNvPr id="10" name="Rectangle 9"/>
-          <p:cNvSpPr/>
-          <p:nvPr/>
-        </p:nvSpPr>
-        <p:spPr>
-          <a:xfrm>
-            <a:off x="5974773" y="1741967"/>
-            <a:ext cx="1143000" cy="1298864"/>
-          </a:xfrm>
-          <a:prstGeom prst="rect">
-            <a:avLst/>
-          </a:prstGeom>
-        </p:spPr>
-        <p:style>
-          <a:lnRef idx="2">
-            <a:schemeClr val="accent6">
-              <a:shade val="50000"/>
+          <a:solidFill>
+            <a:schemeClr val="accent1">
+              <a:lumMod val="50000"/>
             </a:schemeClr>
-          </a:lnRef>
-          <a:fillRef idx="1">
-            <a:schemeClr val="accent6"/>
-          </a:fillRef>
-          <a:effectRef idx="0">
-            <a:schemeClr val="accent6"/>
-          </a:effectRef>
-          <a:fontRef idx="minor">
-            <a:schemeClr val="lt1"/>
-          </a:fontRef>
-        </p:style>
-        <p:txBody>
-          <a:bodyPr rtlCol="0" anchor="ctr"/>
-          <a:lstStyle/>
-          <a:p>
-            <a:pPr algn="ctr"/>
-            <a:endParaRPr lang="en-US"/>
-          </a:p>
-        </p:txBody>
-      </p:sp>
-      <p:sp>
-        <p:nvSpPr>
-          <p:cNvPr id="11" name="TextBox 10"/>
-          <p:cNvSpPr txBox="1"/>
-          <p:nvPr/>
-        </p:nvSpPr>
-        <p:spPr>
-          <a:xfrm>
-            <a:off x="5983160" y="1829422"/>
-            <a:ext cx="2122817" cy="646331"/>
-          </a:xfrm>
-          <a:prstGeom prst="rect">
-            <a:avLst/>
-          </a:prstGeom>
-          <a:noFill/>
-        </p:spPr>
-        <p:txBody>
-          <a:bodyPr wrap="square" rtlCol="0">
-            <a:spAutoFit/>
-          </a:bodyPr>
-          <a:lstStyle/>
-          <a:p>
-            <a:r>
-              <a:rPr lang="en-US" sz="1200" b="1" dirty="0" smtClean="0"/>
-              <a:t>Profile Service</a:t>
-            </a:r>
-          </a:p>
-          <a:p>
-            <a:r>
-              <a:rPr lang="en-US" sz="1200" dirty="0" smtClean="0"/>
-              <a:t>Profile relates work will be done</a:t>
-            </a:r>
-            <a:endParaRPr lang="en-US" sz="1200" dirty="0"/>
-          </a:p>
-        </p:txBody>
-      </p:sp>
-      <p:sp>
-        <p:nvSpPr>
-          <p:cNvPr id="12" name="Rectangle 11"/>
-          <p:cNvSpPr/>
-          <p:nvPr/>
-        </p:nvSpPr>
-        <p:spPr>
-          <a:xfrm>
-            <a:off x="7209755" y="3596120"/>
-            <a:ext cx="647700" cy="746415"/>
-          </a:xfrm>
-          <a:prstGeom prst="rect">
-            <a:avLst/>
-          </a:prstGeom>
-        </p:spPr>
-        <p:style>
-          <a:lnRef idx="2">
-            <a:schemeClr val="accent6">
-              <a:shade val="50000"/>
-            </a:schemeClr>
-          </a:lnRef>
-          <a:fillRef idx="1">
-            <a:schemeClr val="accent6"/>
-          </a:fillRef>
-          <a:effectRef idx="0">
-            <a:schemeClr val="accent6"/>
-          </a:effectRef>
-          <a:fontRef idx="minor">
-            <a:schemeClr val="lt1"/>
-          </a:fontRef>
-        </p:style>
-        <p:txBody>
-          <a:bodyPr rtlCol="0" anchor="ctr"/>
-          <a:lstStyle/>
-          <a:p>
-            <a:pPr algn="ctr"/>
-            <a:endParaRPr lang="en-US" dirty="0"/>
-          </a:p>
-        </p:txBody>
-      </p:sp>
-      <p:sp>
-        <p:nvSpPr>
-          <p:cNvPr id="16" name="TextBox 15"/>
-          <p:cNvSpPr txBox="1"/>
-          <p:nvPr/>
-        </p:nvSpPr>
-        <p:spPr>
-          <a:xfrm>
-            <a:off x="7340292" y="3698275"/>
-            <a:ext cx="1056379" cy="276999"/>
-          </a:xfrm>
-          <a:prstGeom prst="rect">
-            <a:avLst/>
-          </a:prstGeom>
-          <a:noFill/>
-        </p:spPr>
-        <p:txBody>
-          <a:bodyPr wrap="none" rtlCol="0">
-            <a:spAutoFit/>
-          </a:bodyPr>
-          <a:lstStyle/>
-          <a:p>
-            <a:r>
-              <a:rPr lang="en-US" sz="1200" b="1" dirty="0" smtClean="0"/>
-              <a:t>Image service</a:t>
-            </a:r>
-          </a:p>
-        </p:txBody>
-      </p:sp>
-      <p:cxnSp>
-        <p:nvCxnSpPr>
-          <p:cNvPr id="18" name="Straight Arrow Connector 17"/>
-          <p:cNvCxnSpPr/>
-          <p:nvPr/>
-        </p:nvCxnSpPr>
-        <p:spPr>
-          <a:xfrm>
-            <a:off x="4395353" y="2076325"/>
-            <a:ext cx="1579420" cy="0"/>
-          </a:xfrm>
-          <a:prstGeom prst="straightConnector1">
-            <a:avLst/>
-          </a:prstGeom>
-          <a:ln>
-            <a:tailEnd type="triangle"/>
-          </a:ln>
-        </p:spPr>
-        <p:style>
-          <a:lnRef idx="1">
-            <a:schemeClr val="accent1"/>
-          </a:lnRef>
-          <a:fillRef idx="0">
-            <a:schemeClr val="accent1"/>
-          </a:fillRef>
-          <a:effectRef idx="0">
-            <a:schemeClr val="accent1"/>
-          </a:effectRef>
-          <a:fontRef idx="minor">
-            <a:schemeClr val="tx1"/>
-          </a:fontRef>
-        </p:style>
-      </p:cxnSp>
-      <p:cxnSp>
-        <p:nvCxnSpPr>
-          <p:cNvPr id="20" name="Straight Arrow Connector 19"/>
-          <p:cNvCxnSpPr/>
-          <p:nvPr/>
-        </p:nvCxnSpPr>
-        <p:spPr>
-          <a:xfrm flipH="1">
-            <a:off x="4395353" y="2696441"/>
-            <a:ext cx="1579420" cy="1"/>
-          </a:xfrm>
-          <a:prstGeom prst="straightConnector1">
-            <a:avLst/>
-          </a:prstGeom>
-          <a:ln>
-            <a:tailEnd type="triangle"/>
-          </a:ln>
-        </p:spPr>
-        <p:style>
-          <a:lnRef idx="1">
-            <a:schemeClr val="accent1"/>
-          </a:lnRef>
-          <a:fillRef idx="0">
-            <a:schemeClr val="accent1"/>
-          </a:fillRef>
-          <a:effectRef idx="0">
-            <a:schemeClr val="accent1"/>
-          </a:effectRef>
-          <a:fontRef idx="minor">
-            <a:schemeClr val="tx1"/>
-          </a:fontRef>
-        </p:style>
-      </p:cxnSp>
-      <p:sp>
-        <p:nvSpPr>
-          <p:cNvPr id="21" name="Flowchart: Magnetic Disk 20"/>
-          <p:cNvSpPr/>
-          <p:nvPr/>
-        </p:nvSpPr>
-        <p:spPr>
-          <a:xfrm>
-            <a:off x="7618659" y="2415852"/>
-            <a:ext cx="813759" cy="630487"/>
-          </a:xfrm>
-          <a:prstGeom prst="flowChartMagneticDisk">
-            <a:avLst/>
-          </a:prstGeom>
+          </a:solidFill>
         </p:spPr>
         <p:style>
           <a:lnRef idx="2">
@@ -3783,125 +5326,33 @@
           <a:lstStyle/>
           <a:p>
             <a:pPr algn="ctr"/>
-            <a:endParaRPr lang="en-US"/>
-          </a:p>
-        </p:txBody>
-      </p:sp>
-      <p:cxnSp>
-        <p:nvCxnSpPr>
-          <p:cNvPr id="25" name="Straight Arrow Connector 24"/>
-          <p:cNvCxnSpPr/>
-          <p:nvPr/>
-        </p:nvCxnSpPr>
-        <p:spPr>
-          <a:xfrm flipV="1">
-            <a:off x="7117773" y="2658601"/>
-            <a:ext cx="500886" cy="48231"/>
-          </a:xfrm>
-          <a:prstGeom prst="straightConnector1">
-            <a:avLst/>
-          </a:prstGeom>
-          <a:ln>
-            <a:tailEnd type="triangle"/>
-          </a:ln>
-        </p:spPr>
-        <p:style>
-          <a:lnRef idx="1">
-            <a:schemeClr val="accent1"/>
-          </a:lnRef>
-          <a:fillRef idx="0">
-            <a:schemeClr val="accent1"/>
-          </a:fillRef>
-          <a:effectRef idx="0">
-            <a:schemeClr val="accent1"/>
-          </a:effectRef>
-          <a:fontRef idx="minor">
-            <a:schemeClr val="tx1"/>
-          </a:fontRef>
-        </p:style>
-      </p:cxnSp>
-      <p:cxnSp>
-        <p:nvCxnSpPr>
-          <p:cNvPr id="27" name="Curved Connector 26"/>
-          <p:cNvCxnSpPr>
-            <a:endCxn id="12" idx="1"/>
-          </p:cNvCxnSpPr>
-          <p:nvPr/>
-        </p:nvCxnSpPr>
-        <p:spPr>
-          <a:xfrm>
-            <a:off x="4395353" y="3498272"/>
-            <a:ext cx="2814402" cy="471056"/>
-          </a:xfrm>
-          <a:prstGeom prst="curvedConnector3">
-            <a:avLst/>
-          </a:prstGeom>
-          <a:ln>
-            <a:tailEnd type="triangle"/>
-          </a:ln>
-        </p:spPr>
-        <p:style>
-          <a:lnRef idx="1">
-            <a:schemeClr val="accent1"/>
-          </a:lnRef>
-          <a:fillRef idx="0">
-            <a:schemeClr val="accent1"/>
-          </a:fillRef>
-          <a:effectRef idx="0">
-            <a:schemeClr val="accent1"/>
-          </a:effectRef>
-          <a:fontRef idx="minor">
-            <a:schemeClr val="tx1"/>
-          </a:fontRef>
-        </p:style>
-      </p:cxnSp>
-      <p:cxnSp>
-        <p:nvCxnSpPr>
-          <p:cNvPr id="29" name="Curved Connector 28"/>
-          <p:cNvCxnSpPr/>
-          <p:nvPr/>
-        </p:nvCxnSpPr>
-        <p:spPr>
-          <a:xfrm rot="10800000">
-            <a:off x="4395353" y="3733800"/>
-            <a:ext cx="3056856" cy="456562"/>
-          </a:xfrm>
-          <a:prstGeom prst="curvedConnector3">
-            <a:avLst/>
-          </a:prstGeom>
-          <a:ln>
-            <a:tailEnd type="triangle"/>
-          </a:ln>
-        </p:spPr>
-        <p:style>
-          <a:lnRef idx="1">
-            <a:schemeClr val="accent1"/>
-          </a:lnRef>
-          <a:fillRef idx="0">
-            <a:schemeClr val="accent1"/>
-          </a:fillRef>
-          <a:effectRef idx="0">
-            <a:schemeClr val="accent1"/>
-          </a:effectRef>
-          <a:fontRef idx="minor">
-            <a:schemeClr val="tx1"/>
-          </a:fontRef>
-        </p:style>
-      </p:cxnSp>
-      <p:sp>
-        <p:nvSpPr>
-          <p:cNvPr id="30" name="Flowchart: Magnetic Disk 29"/>
+            <a:r>
+              <a:rPr lang="en-US" sz="1200" b="1" dirty="0" smtClean="0"/>
+              <a:t>Application Node</a:t>
+            </a:r>
+            <a:endParaRPr lang="en-US" sz="1200" b="1" dirty="0"/>
+          </a:p>
+        </p:txBody>
+      </p:sp>
+      <p:sp>
+        <p:nvSpPr>
+          <p:cNvPr id="26" name="Can 25"/>
           <p:cNvSpPr/>
           <p:nvPr/>
         </p:nvSpPr>
         <p:spPr>
           <a:xfrm>
-            <a:off x="8334529" y="4052492"/>
-            <a:ext cx="679135" cy="589736"/>
-          </a:xfrm>
-          <a:prstGeom prst="flowChartMagneticDisk">
-            <a:avLst/>
-          </a:prstGeom>
+            <a:off x="7904719" y="2509405"/>
+            <a:ext cx="685800" cy="540327"/>
+          </a:xfrm>
+          <a:prstGeom prst="can">
+            <a:avLst/>
+          </a:prstGeom>
+          <a:solidFill>
+            <a:schemeClr val="accent1">
+              <a:lumMod val="75000"/>
+            </a:schemeClr>
+          </a:solidFill>
         </p:spPr>
         <p:style>
           <a:lnRef idx="2">
@@ -3924,24 +5375,33 @@
           <a:lstStyle/>
           <a:p>
             <a:pPr algn="ctr"/>
-            <a:endParaRPr lang="en-US"/>
-          </a:p>
-        </p:txBody>
-      </p:sp>
-      <p:sp>
-        <p:nvSpPr>
-          <p:cNvPr id="31" name="Rectangle 30"/>
+            <a:r>
+              <a:rPr lang="en-US" sz="1200" b="1" dirty="0" smtClean="0"/>
+              <a:t>DB Node 2</a:t>
+            </a:r>
+            <a:endParaRPr lang="en-US" sz="1200" b="1" dirty="0"/>
+          </a:p>
+        </p:txBody>
+      </p:sp>
+      <p:sp>
+        <p:nvSpPr>
+          <p:cNvPr id="27" name="Rectangle 26"/>
           <p:cNvSpPr/>
           <p:nvPr/>
         </p:nvSpPr>
         <p:spPr>
           <a:xfrm>
-            <a:off x="7735878" y="4640915"/>
-            <a:ext cx="410050" cy="503506"/>
+            <a:off x="6847785" y="1518103"/>
+            <a:ext cx="301336" cy="691065"/>
           </a:xfrm>
           <a:prstGeom prst="rect">
             <a:avLst/>
           </a:prstGeom>
+          <a:solidFill>
+            <a:schemeClr val="accent5">
+              <a:lumMod val="50000"/>
+            </a:schemeClr>
+          </a:solidFill>
         </p:spPr>
         <p:style>
           <a:lnRef idx="2">
@@ -3964,24 +5424,59 @@
           <a:lstStyle/>
           <a:p>
             <a:pPr algn="ctr"/>
-            <a:endParaRPr lang="en-US" dirty="0"/>
-          </a:p>
-        </p:txBody>
-      </p:sp>
-      <p:sp>
-        <p:nvSpPr>
-          <p:cNvPr id="32" name="Rectangle 31"/>
+            <a:endParaRPr lang="en-US"/>
+          </a:p>
+        </p:txBody>
+      </p:sp>
+      <p:sp>
+        <p:nvSpPr>
+          <p:cNvPr id="28" name="TextBox 27"/>
+          <p:cNvSpPr txBox="1"/>
+          <p:nvPr/>
+        </p:nvSpPr>
+        <p:spPr>
+          <a:xfrm>
+            <a:off x="6549561" y="2153726"/>
+            <a:ext cx="992003" cy="276999"/>
+          </a:xfrm>
+          <a:prstGeom prst="rect">
+            <a:avLst/>
+          </a:prstGeom>
+          <a:noFill/>
+        </p:spPr>
+        <p:txBody>
+          <a:bodyPr wrap="none" rtlCol="0">
+            <a:spAutoFit/>
+          </a:bodyPr>
+          <a:lstStyle/>
+          <a:p>
+            <a:r>
+              <a:rPr lang="en-US" sz="1200" b="1" dirty="0" smtClean="0"/>
+              <a:t>Orchestrator</a:t>
+            </a:r>
+            <a:endParaRPr lang="en-US" sz="1200" b="1" dirty="0"/>
+          </a:p>
+        </p:txBody>
+      </p:sp>
+      <p:sp>
+        <p:nvSpPr>
+          <p:cNvPr id="30" name="Rounded Rectangle 29"/>
           <p:cNvSpPr/>
           <p:nvPr/>
         </p:nvSpPr>
         <p:spPr>
           <a:xfrm>
-            <a:off x="7814201" y="4731837"/>
-            <a:ext cx="410050" cy="503506"/>
-          </a:xfrm>
-          <a:prstGeom prst="rect">
-            <a:avLst/>
-          </a:prstGeom>
+            <a:off x="3922569" y="2531964"/>
+            <a:ext cx="371640" cy="517768"/>
+          </a:xfrm>
+          <a:prstGeom prst="roundRect">
+            <a:avLst/>
+          </a:prstGeom>
+          <a:solidFill>
+            <a:schemeClr val="accent6">
+              <a:lumMod val="50000"/>
+            </a:schemeClr>
+          </a:solidFill>
         </p:spPr>
         <p:style>
           <a:lnRef idx="2">
@@ -4004,24 +5499,33 @@
           <a:lstStyle/>
           <a:p>
             <a:pPr algn="ctr"/>
-            <a:endParaRPr lang="en-US" dirty="0"/>
-          </a:p>
-        </p:txBody>
-      </p:sp>
-      <p:sp>
-        <p:nvSpPr>
-          <p:cNvPr id="33" name="Rectangle 32"/>
+            <a:r>
+              <a:rPr lang="en-US" sz="1200" b="1" dirty="0" smtClean="0"/>
+              <a:t>LB</a:t>
+            </a:r>
+            <a:endParaRPr lang="en-US" sz="1200" b="1" dirty="0"/>
+          </a:p>
+        </p:txBody>
+      </p:sp>
+      <p:sp>
+        <p:nvSpPr>
+          <p:cNvPr id="31" name="Rounded Rectangle 30"/>
           <p:cNvSpPr/>
           <p:nvPr/>
         </p:nvSpPr>
         <p:spPr>
           <a:xfrm>
-            <a:off x="7924479" y="4825179"/>
-            <a:ext cx="410050" cy="503506"/>
-          </a:xfrm>
-          <a:prstGeom prst="rect">
-            <a:avLst/>
-          </a:prstGeom>
+            <a:off x="3922569" y="1735282"/>
+            <a:ext cx="371640" cy="517768"/>
+          </a:xfrm>
+          <a:prstGeom prst="roundRect">
+            <a:avLst/>
+          </a:prstGeom>
+          <a:solidFill>
+            <a:schemeClr val="accent6">
+              <a:lumMod val="50000"/>
+            </a:schemeClr>
+          </a:solidFill>
         </p:spPr>
         <p:style>
           <a:lnRef idx="2">
@@ -4044,20 +5548,24 @@
           <a:lstStyle/>
           <a:p>
             <a:pPr algn="ctr"/>
-            <a:endParaRPr lang="en-US" dirty="0"/>
-          </a:p>
-        </p:txBody>
-      </p:sp>
-      <p:sp>
-        <p:nvSpPr>
-          <p:cNvPr id="34" name="TextBox 33"/>
+            <a:r>
+              <a:rPr lang="en-US" sz="1200" b="1" dirty="0" smtClean="0"/>
+              <a:t>LB</a:t>
+            </a:r>
+            <a:endParaRPr lang="en-US" sz="1200" b="1" dirty="0"/>
+          </a:p>
+        </p:txBody>
+      </p:sp>
+      <p:sp>
+        <p:nvSpPr>
+          <p:cNvPr id="32" name="TextBox 31"/>
           <p:cNvSpPr txBox="1"/>
           <p:nvPr/>
         </p:nvSpPr>
         <p:spPr>
           <a:xfrm>
-            <a:off x="8040449" y="4996445"/>
-            <a:ext cx="1690143" cy="461665"/>
+            <a:off x="3508160" y="3049731"/>
+            <a:ext cx="1377300" cy="461665"/>
           </a:xfrm>
           <a:prstGeom prst="rect">
             <a:avLst/>
@@ -4071,402 +5579,37 @@
           <a:lstStyle/>
           <a:p>
             <a:r>
-              <a:rPr lang="en-US" sz="1200" dirty="0" smtClean="0"/>
-              <a:t>A distributed file system</a:t>
-            </a:r>
-          </a:p>
-          <a:p>
-            <a:endParaRPr lang="en-US" sz="1200" dirty="0"/>
-          </a:p>
-        </p:txBody>
-      </p:sp>
-      <p:sp>
-        <p:nvSpPr>
-          <p:cNvPr id="35" name="TextBox 34"/>
-          <p:cNvSpPr txBox="1"/>
-          <p:nvPr/>
-        </p:nvSpPr>
-        <p:spPr>
-          <a:xfrm>
-            <a:off x="8487102" y="4290274"/>
-            <a:ext cx="393056" cy="523220"/>
+              <a:rPr lang="en-US" sz="1200" b="1" dirty="0" smtClean="0"/>
+              <a:t>Gateway service</a:t>
+            </a:r>
+          </a:p>
+          <a:p>
+            <a:r>
+              <a:rPr lang="en-US" sz="1200" b="1" dirty="0" smtClean="0"/>
+              <a:t>with load balancer</a:t>
+            </a:r>
+            <a:endParaRPr lang="en-US" sz="1200" b="1" dirty="0"/>
+          </a:p>
+        </p:txBody>
+      </p:sp>
+      <p:sp>
+        <p:nvSpPr>
+          <p:cNvPr id="33" name="Rectangle 32"/>
+          <p:cNvSpPr/>
+          <p:nvPr/>
+        </p:nvSpPr>
+        <p:spPr>
+          <a:xfrm>
+            <a:off x="2493818" y="1917944"/>
+            <a:ext cx="465159" cy="785402"/>
           </a:xfrm>
           <a:prstGeom prst="rect">
             <a:avLst/>
           </a:prstGeom>
-          <a:noFill/>
-        </p:spPr>
-        <p:txBody>
-          <a:bodyPr wrap="none" rtlCol="0">
-            <a:spAutoFit/>
-          </a:bodyPr>
-          <a:lstStyle/>
-          <a:p>
-            <a:r>
-              <a:rPr lang="en-US" sz="1400" dirty="0" smtClean="0"/>
-              <a:t>DB</a:t>
-            </a:r>
-          </a:p>
-          <a:p>
-            <a:endParaRPr lang="en-US" sz="1400" dirty="0"/>
-          </a:p>
-        </p:txBody>
-      </p:sp>
-      <p:cxnSp>
-        <p:nvCxnSpPr>
-          <p:cNvPr id="39" name="Straight Arrow Connector 38"/>
-          <p:cNvCxnSpPr/>
-          <p:nvPr/>
-        </p:nvCxnSpPr>
-        <p:spPr>
-          <a:xfrm flipV="1">
-            <a:off x="1818405" y="2089482"/>
-            <a:ext cx="1475512" cy="45849"/>
-          </a:xfrm>
-          <a:prstGeom prst="straightConnector1">
-            <a:avLst/>
-          </a:prstGeom>
-          <a:ln>
-            <a:tailEnd type="triangle"/>
-          </a:ln>
-        </p:spPr>
-        <p:style>
-          <a:lnRef idx="1">
-            <a:schemeClr val="accent1"/>
-          </a:lnRef>
-          <a:fillRef idx="0">
-            <a:schemeClr val="accent1"/>
-          </a:fillRef>
-          <a:effectRef idx="0">
-            <a:schemeClr val="accent1"/>
-          </a:effectRef>
-          <a:fontRef idx="minor">
-            <a:schemeClr val="tx1"/>
-          </a:fontRef>
-        </p:style>
-      </p:cxnSp>
-      <p:cxnSp>
-        <p:nvCxnSpPr>
-          <p:cNvPr id="41" name="Straight Arrow Connector 40"/>
-          <p:cNvCxnSpPr/>
-          <p:nvPr/>
-        </p:nvCxnSpPr>
-        <p:spPr>
-          <a:xfrm flipH="1">
-            <a:off x="1818404" y="2462645"/>
-            <a:ext cx="1475513" cy="0"/>
-          </a:xfrm>
-          <a:prstGeom prst="straightConnector1">
-            <a:avLst/>
-          </a:prstGeom>
-          <a:ln>
-            <a:tailEnd type="triangle"/>
-          </a:ln>
-        </p:spPr>
-        <p:style>
-          <a:lnRef idx="1">
-            <a:schemeClr val="accent1"/>
-          </a:lnRef>
-          <a:fillRef idx="0">
-            <a:schemeClr val="accent1"/>
-          </a:fillRef>
-          <a:effectRef idx="0">
-            <a:schemeClr val="accent1"/>
-          </a:effectRef>
-          <a:fontRef idx="minor">
-            <a:schemeClr val="tx1"/>
-          </a:fontRef>
-        </p:style>
-      </p:cxnSp>
-      <p:sp>
-        <p:nvSpPr>
-          <p:cNvPr id="42" name="TextBox 41"/>
-          <p:cNvSpPr txBox="1"/>
-          <p:nvPr/>
-        </p:nvSpPr>
-        <p:spPr>
-          <a:xfrm>
-            <a:off x="1851359" y="2098016"/>
-            <a:ext cx="1098378" cy="400110"/>
-          </a:xfrm>
-          <a:prstGeom prst="rect">
-            <a:avLst/>
-          </a:prstGeom>
-          <a:noFill/>
-        </p:spPr>
-        <p:txBody>
-          <a:bodyPr wrap="none" rtlCol="0">
-            <a:spAutoFit/>
-          </a:bodyPr>
-          <a:lstStyle/>
-          <a:p>
-            <a:r>
-              <a:rPr lang="en-US" sz="1000" b="1" dirty="0" smtClean="0"/>
-              <a:t>Username, token</a:t>
-            </a:r>
-          </a:p>
-          <a:p>
-            <a:endParaRPr lang="en-US" sz="1000" b="1" dirty="0"/>
-          </a:p>
-        </p:txBody>
-      </p:sp>
-      <p:sp>
-        <p:nvSpPr>
-          <p:cNvPr id="43" name="TextBox 42"/>
-          <p:cNvSpPr txBox="1"/>
-          <p:nvPr/>
-        </p:nvSpPr>
-        <p:spPr>
-          <a:xfrm>
-            <a:off x="1851358" y="1889427"/>
-            <a:ext cx="835485" cy="400110"/>
-          </a:xfrm>
-          <a:prstGeom prst="rect">
-            <a:avLst/>
-          </a:prstGeom>
-          <a:noFill/>
-        </p:spPr>
-        <p:txBody>
-          <a:bodyPr wrap="none" rtlCol="0">
-            <a:spAutoFit/>
-          </a:bodyPr>
-          <a:lstStyle/>
-          <a:p>
-            <a:r>
-              <a:rPr lang="en-US" sz="1000" b="1" dirty="0" smtClean="0"/>
-              <a:t>Update user</a:t>
-            </a:r>
-          </a:p>
-          <a:p>
-            <a:endParaRPr lang="en-US" sz="1000" b="1" dirty="0"/>
-          </a:p>
-        </p:txBody>
-      </p:sp>
-      <p:sp>
-        <p:nvSpPr>
-          <p:cNvPr id="44" name="TextBox 43"/>
-          <p:cNvSpPr txBox="1"/>
-          <p:nvPr/>
-        </p:nvSpPr>
-        <p:spPr>
-          <a:xfrm>
-            <a:off x="1973814" y="2420457"/>
-            <a:ext cx="449162" cy="246221"/>
-          </a:xfrm>
-          <a:prstGeom prst="rect">
-            <a:avLst/>
-          </a:prstGeom>
-          <a:noFill/>
-        </p:spPr>
-        <p:txBody>
-          <a:bodyPr wrap="none" rtlCol="0">
-            <a:spAutoFit/>
-          </a:bodyPr>
-          <a:lstStyle/>
-          <a:p>
-            <a:r>
-              <a:rPr lang="en-US" sz="1000" b="1" dirty="0" smtClean="0"/>
-              <a:t>RESP</a:t>
-            </a:r>
-            <a:endParaRPr lang="en-US" sz="1000" b="1" dirty="0"/>
-          </a:p>
-        </p:txBody>
-      </p:sp>
-      <p:cxnSp>
-        <p:nvCxnSpPr>
-          <p:cNvPr id="46" name="Curved Connector 45"/>
-          <p:cNvCxnSpPr/>
-          <p:nvPr/>
-        </p:nvCxnSpPr>
-        <p:spPr>
-          <a:xfrm rot="10800000" flipV="1">
-            <a:off x="1818403" y="3732689"/>
-            <a:ext cx="1475514" cy="236637"/>
-          </a:xfrm>
-          <a:prstGeom prst="curvedConnector3">
-            <a:avLst/>
-          </a:prstGeom>
-          <a:ln>
-            <a:solidFill>
-              <a:srgbClr val="FF0000"/>
-            </a:solidFill>
-            <a:tailEnd type="triangle"/>
-          </a:ln>
-        </p:spPr>
-        <p:style>
-          <a:lnRef idx="1">
-            <a:schemeClr val="accent1"/>
-          </a:lnRef>
-          <a:fillRef idx="0">
-            <a:schemeClr val="accent1"/>
-          </a:fillRef>
-          <a:effectRef idx="0">
-            <a:schemeClr val="accent1"/>
-          </a:effectRef>
-          <a:fontRef idx="minor">
-            <a:schemeClr val="tx1"/>
-          </a:fontRef>
-        </p:style>
-      </p:cxnSp>
-      <p:sp>
-        <p:nvSpPr>
-          <p:cNvPr id="47" name="TextBox 46"/>
-          <p:cNvSpPr txBox="1"/>
-          <p:nvPr/>
-        </p:nvSpPr>
-        <p:spPr>
-          <a:xfrm>
-            <a:off x="2067459" y="3942425"/>
-            <a:ext cx="505267" cy="246221"/>
-          </a:xfrm>
-          <a:prstGeom prst="rect">
-            <a:avLst/>
-          </a:prstGeom>
-          <a:noFill/>
-        </p:spPr>
-        <p:txBody>
-          <a:bodyPr wrap="none" rtlCol="0">
-            <a:spAutoFit/>
-          </a:bodyPr>
-          <a:lstStyle/>
-          <a:p>
-            <a:r>
-              <a:rPr lang="en-US" sz="1000" b="1" dirty="0" smtClean="0"/>
-              <a:t>XMPP</a:t>
-            </a:r>
-            <a:endParaRPr lang="en-US" sz="1000" b="1" dirty="0"/>
-          </a:p>
-        </p:txBody>
-      </p:sp>
-      <p:cxnSp>
-        <p:nvCxnSpPr>
-          <p:cNvPr id="49" name="Curved Connector 48"/>
-          <p:cNvCxnSpPr>
-            <a:endCxn id="6" idx="1"/>
-          </p:cNvCxnSpPr>
-          <p:nvPr/>
-        </p:nvCxnSpPr>
-        <p:spPr>
-          <a:xfrm flipV="1">
-            <a:off x="1818402" y="2686051"/>
-            <a:ext cx="1475515" cy="171449"/>
-          </a:xfrm>
-          <a:prstGeom prst="curvedConnector3">
-            <a:avLst/>
-          </a:prstGeom>
-          <a:ln>
-            <a:solidFill>
-              <a:srgbClr val="FF0000"/>
-            </a:solidFill>
-            <a:tailEnd type="triangle"/>
-          </a:ln>
-        </p:spPr>
-        <p:style>
-          <a:lnRef idx="1">
-            <a:schemeClr val="accent1"/>
-          </a:lnRef>
-          <a:fillRef idx="0">
-            <a:schemeClr val="accent1"/>
-          </a:fillRef>
-          <a:effectRef idx="0">
-            <a:schemeClr val="accent1"/>
-          </a:effectRef>
-          <a:fontRef idx="minor">
-            <a:schemeClr val="tx1"/>
-          </a:fontRef>
-        </p:style>
-      </p:cxnSp>
-      <p:sp>
-        <p:nvSpPr>
-          <p:cNvPr id="50" name="TextBox 49"/>
-          <p:cNvSpPr txBox="1"/>
-          <p:nvPr/>
-        </p:nvSpPr>
-        <p:spPr>
-          <a:xfrm>
-            <a:off x="2066656" y="2868403"/>
-            <a:ext cx="1055759" cy="400110"/>
-          </a:xfrm>
-          <a:prstGeom prst="rect">
-            <a:avLst/>
-          </a:prstGeom>
-          <a:noFill/>
-        </p:spPr>
-        <p:txBody>
-          <a:bodyPr wrap="square" rtlCol="0">
-            <a:spAutoFit/>
-          </a:bodyPr>
-          <a:lstStyle/>
-          <a:p>
-            <a:r>
-              <a:rPr lang="en-US" sz="1000" b="1" dirty="0" smtClean="0"/>
-              <a:t>XMPP</a:t>
-            </a:r>
-          </a:p>
-          <a:p>
-            <a:r>
-              <a:rPr lang="en-US" sz="1000" dirty="0" smtClean="0"/>
-              <a:t>For messaging</a:t>
-            </a:r>
-            <a:endParaRPr lang="en-US" sz="1000" dirty="0"/>
-          </a:p>
-        </p:txBody>
-      </p:sp>
-      <p:sp>
-        <p:nvSpPr>
-          <p:cNvPr id="51" name="TextBox 50"/>
-          <p:cNvSpPr txBox="1"/>
-          <p:nvPr/>
-        </p:nvSpPr>
-        <p:spPr>
-          <a:xfrm>
-            <a:off x="2746002" y="3390256"/>
-            <a:ext cx="1720071" cy="707886"/>
-          </a:xfrm>
-          <a:prstGeom prst="rect">
-            <a:avLst/>
-          </a:prstGeom>
-          <a:noFill/>
-        </p:spPr>
-        <p:txBody>
-          <a:bodyPr wrap="square" rtlCol="0">
-            <a:spAutoFit/>
-          </a:bodyPr>
-          <a:lstStyle/>
-          <a:p>
-            <a:r>
-              <a:rPr lang="en-US" sz="1000" b="1" dirty="0" smtClean="0"/>
-              <a:t>Web socket connection</a:t>
-            </a:r>
-          </a:p>
-          <a:p>
-            <a:r>
-              <a:rPr lang="en-US" sz="1000" b="1" dirty="0" smtClean="0"/>
-              <a:t>Or will write connection of my own TCP</a:t>
-            </a:r>
-            <a:endParaRPr lang="en-US" sz="1000" b="1" dirty="0" smtClean="0"/>
-          </a:p>
-          <a:p>
-            <a:endParaRPr lang="en-US" sz="1000" b="1" dirty="0"/>
-          </a:p>
-        </p:txBody>
-      </p:sp>
-      <p:sp>
-        <p:nvSpPr>
-          <p:cNvPr id="52" name="Rectangle 51"/>
-          <p:cNvSpPr/>
-          <p:nvPr/>
-        </p:nvSpPr>
-        <p:spPr>
-          <a:xfrm>
-            <a:off x="5403273" y="809315"/>
-            <a:ext cx="571500" cy="711618"/>
-          </a:xfrm>
-          <a:prstGeom prst="rect">
-            <a:avLst/>
-          </a:prstGeom>
           <a:solidFill>
-            <a:schemeClr val="accent6"/>
+            <a:schemeClr val="tx2">
+              <a:lumMod val="50000"/>
+            </a:schemeClr>
           </a:solidFill>
         </p:spPr>
         <p:style>
@@ -4490,20 +5633,20 @@
           <a:lstStyle/>
           <a:p>
             <a:pPr algn="ctr"/>
-            <a:endParaRPr lang="en-US"/>
-          </a:p>
-        </p:txBody>
-      </p:sp>
-      <p:sp>
-        <p:nvSpPr>
-          <p:cNvPr id="53" name="TextBox 52"/>
+            <a:endParaRPr lang="en-US" sz="1200" b="1" dirty="0"/>
+          </a:p>
+        </p:txBody>
+      </p:sp>
+      <p:sp>
+        <p:nvSpPr>
+          <p:cNvPr id="34" name="TextBox 33"/>
           <p:cNvSpPr txBox="1"/>
           <p:nvPr/>
         </p:nvSpPr>
         <p:spPr>
           <a:xfrm>
-            <a:off x="5287074" y="765666"/>
-            <a:ext cx="1202317" cy="276999"/>
+            <a:off x="2198015" y="2426347"/>
+            <a:ext cx="1037015" cy="276999"/>
           </a:xfrm>
           <a:prstGeom prst="rect">
             <a:avLst/>
@@ -4516,27 +5659,42 @@
           </a:bodyPr>
           <a:lstStyle/>
           <a:p>
-            <a:r>
-              <a:rPr lang="en-US" sz="1200" b="1" dirty="0" smtClean="0"/>
-              <a:t>Sessions service</a:t>
-            </a:r>
-          </a:p>
-        </p:txBody>
-      </p:sp>
-      <p:sp>
-        <p:nvSpPr>
-          <p:cNvPr id="54" name="Flowchart: Magnetic Disk 53"/>
+            <a:pPr algn="ctr"/>
+            <a:r>
+              <a:rPr lang="en-US" sz="1200" b="1" dirty="0">
+                <a:solidFill>
+                  <a:srgbClr val="C00000"/>
+                </a:solidFill>
+              </a:rPr>
+              <a:t>DNS Resolver</a:t>
+            </a:r>
+            <a:endParaRPr lang="en-US" sz="1200" b="1" dirty="0">
+              <a:solidFill>
+                <a:srgbClr val="C00000"/>
+              </a:solidFill>
+            </a:endParaRPr>
+          </a:p>
+        </p:txBody>
+      </p:sp>
+      <p:sp>
+        <p:nvSpPr>
+          <p:cNvPr id="51" name="Rectangle 50"/>
           <p:cNvSpPr/>
           <p:nvPr/>
         </p:nvSpPr>
         <p:spPr>
           <a:xfrm>
-            <a:off x="6576891" y="870326"/>
-            <a:ext cx="467678" cy="366558"/>
-          </a:xfrm>
-          <a:prstGeom prst="flowChartMagneticDisk">
-            <a:avLst/>
-          </a:prstGeom>
+            <a:off x="6847785" y="2631500"/>
+            <a:ext cx="301336" cy="691065"/>
+          </a:xfrm>
+          <a:prstGeom prst="rect">
+            <a:avLst/>
+          </a:prstGeom>
+          <a:solidFill>
+            <a:schemeClr val="accent5">
+              <a:lumMod val="50000"/>
+            </a:schemeClr>
+          </a:solidFill>
         </p:spPr>
         <p:style>
           <a:lnRef idx="2">
@@ -4563,55 +5721,16 @@
           </a:p>
         </p:txBody>
       </p:sp>
-      <p:cxnSp>
-        <p:nvCxnSpPr>
-          <p:cNvPr id="56" name="Straight Arrow Connector 55"/>
-          <p:cNvCxnSpPr>
-            <a:stCxn id="52" idx="3"/>
-            <a:endCxn id="54" idx="2"/>
-          </p:cNvCxnSpPr>
-          <p:nvPr/>
-        </p:nvCxnSpPr>
-        <p:spPr>
-          <a:xfrm flipV="1">
-            <a:off x="5974773" y="1053605"/>
-            <a:ext cx="602118" cy="111519"/>
-          </a:xfrm>
-          <a:prstGeom prst="straightConnector1">
-            <a:avLst/>
-          </a:prstGeom>
-          <a:ln>
-            <a:solidFill>
-              <a:srgbClr val="FF0000"/>
-            </a:solidFill>
-            <a:tailEnd type="triangle"/>
-          </a:ln>
-        </p:spPr>
-        <p:style>
-          <a:lnRef idx="1">
-            <a:schemeClr val="accent1"/>
-          </a:lnRef>
-          <a:fillRef idx="0">
-            <a:schemeClr val="accent1"/>
-          </a:fillRef>
-          <a:effectRef idx="0">
-            <a:schemeClr val="accent1"/>
-          </a:effectRef>
-          <a:fontRef idx="minor">
-            <a:schemeClr val="tx1"/>
-          </a:fontRef>
-        </p:style>
-      </p:cxnSp>
-      <p:sp>
-        <p:nvSpPr>
-          <p:cNvPr id="57" name="TextBox 56"/>
+      <p:sp>
+        <p:nvSpPr>
+          <p:cNvPr id="52" name="TextBox 51"/>
           <p:cNvSpPr txBox="1"/>
           <p:nvPr/>
         </p:nvSpPr>
         <p:spPr>
           <a:xfrm>
-            <a:off x="6751890" y="950497"/>
-            <a:ext cx="894797" cy="246221"/>
+            <a:off x="6549561" y="3267123"/>
+            <a:ext cx="992003" cy="276999"/>
           </a:xfrm>
           <a:prstGeom prst="rect">
             <a:avLst/>
@@ -4625,71 +5744,123 @@
           <a:lstStyle/>
           <a:p>
             <a:r>
-              <a:rPr lang="en-US" sz="1000" dirty="0" err="1" smtClean="0"/>
-              <a:t>Userid</a:t>
-            </a:r>
-            <a:r>
-              <a:rPr lang="en-US" sz="1000" dirty="0" smtClean="0"/>
-              <a:t> | conn</a:t>
-            </a:r>
-            <a:endParaRPr lang="en-US" sz="1000" dirty="0"/>
-          </a:p>
-        </p:txBody>
-      </p:sp>
-      <p:cxnSp>
-        <p:nvCxnSpPr>
-          <p:cNvPr id="59" name="Straight Arrow Connector 58"/>
-          <p:cNvCxnSpPr>
-            <a:endCxn id="52" idx="1"/>
-          </p:cNvCxnSpPr>
-          <p:nvPr/>
-        </p:nvCxnSpPr>
-        <p:spPr>
-          <a:xfrm flipV="1">
-            <a:off x="4395352" y="1165124"/>
-            <a:ext cx="1007921" cy="606981"/>
-          </a:xfrm>
-          <a:prstGeom prst="straightConnector1">
-            <a:avLst/>
-          </a:prstGeom>
-          <a:ln>
+              <a:rPr lang="en-US" sz="1200" b="1" dirty="0" smtClean="0"/>
+              <a:t>Orchestrator</a:t>
+            </a:r>
+            <a:endParaRPr lang="en-US" sz="1200" b="1" dirty="0"/>
+          </a:p>
+        </p:txBody>
+      </p:sp>
+      <p:sp>
+        <p:nvSpPr>
+          <p:cNvPr id="53" name="Rectangle 52"/>
+          <p:cNvSpPr/>
+          <p:nvPr/>
+        </p:nvSpPr>
+        <p:spPr>
+          <a:xfrm>
+            <a:off x="2198015" y="1298864"/>
+            <a:ext cx="6862858" cy="2327563"/>
+          </a:xfrm>
+          <a:prstGeom prst="rect">
+            <a:avLst/>
+          </a:prstGeom>
+          <a:noFill/>
+          <a:ln w="19050">
             <a:solidFill>
-              <a:srgbClr val="FF0000"/>
+              <a:schemeClr val="accent6">
+                <a:lumMod val="50000"/>
+              </a:schemeClr>
             </a:solidFill>
-            <a:tailEnd type="triangle"/>
           </a:ln>
         </p:spPr>
         <p:style>
-          <a:lnRef idx="1">
-            <a:schemeClr val="accent1"/>
+          <a:lnRef idx="2">
+            <a:schemeClr val="dk1"/>
           </a:lnRef>
-          <a:fillRef idx="0">
-            <a:schemeClr val="accent1"/>
+          <a:fillRef idx="1">
+            <a:schemeClr val="lt1"/>
           </a:fillRef>
           <a:effectRef idx="0">
-            <a:schemeClr val="accent1"/>
+            <a:schemeClr val="dk1"/>
           </a:effectRef>
           <a:fontRef idx="minor">
-            <a:schemeClr val="tx1"/>
+            <a:schemeClr val="dk1"/>
           </a:fontRef>
         </p:style>
-      </p:cxnSp>
-      <p:sp>
-        <p:nvSpPr>
-          <p:cNvPr id="60" name="Rectangle 59"/>
+        <p:txBody>
+          <a:bodyPr rtlCol="0" anchor="ctr"/>
+          <a:lstStyle/>
+          <a:p>
+            <a:pPr algn="ctr"/>
+            <a:endParaRPr lang="en-US"/>
+          </a:p>
+        </p:txBody>
+      </p:sp>
+      <p:sp>
+        <p:nvSpPr>
+          <p:cNvPr id="54" name="Rectangle 53"/>
           <p:cNvSpPr/>
           <p:nvPr/>
         </p:nvSpPr>
         <p:spPr>
           <a:xfrm>
-            <a:off x="5434173" y="4260996"/>
-            <a:ext cx="571500" cy="711618"/>
+            <a:off x="2198015" y="3840192"/>
+            <a:ext cx="6862858" cy="2327563"/>
           </a:xfrm>
           <a:prstGeom prst="rect">
             <a:avLst/>
           </a:prstGeom>
+          <a:noFill/>
+          <a:ln w="19050">
+            <a:solidFill>
+              <a:schemeClr val="accent2">
+                <a:lumMod val="50000"/>
+              </a:schemeClr>
+            </a:solidFill>
+          </a:ln>
+        </p:spPr>
+        <p:style>
+          <a:lnRef idx="2">
+            <a:schemeClr val="dk1"/>
+          </a:lnRef>
+          <a:fillRef idx="1">
+            <a:schemeClr val="lt1"/>
+          </a:fillRef>
+          <a:effectRef idx="0">
+            <a:schemeClr val="dk1"/>
+          </a:effectRef>
+          <a:fontRef idx="minor">
+            <a:schemeClr val="dk1"/>
+          </a:fontRef>
+        </p:style>
+        <p:txBody>
+          <a:bodyPr rtlCol="0" anchor="ctr"/>
+          <a:lstStyle/>
+          <a:p>
+            <a:pPr algn="ctr"/>
+            <a:endParaRPr lang="en-US"/>
+          </a:p>
+        </p:txBody>
+      </p:sp>
+      <p:sp>
+        <p:nvSpPr>
+          <p:cNvPr id="55" name="Rectangle 54"/>
+          <p:cNvSpPr/>
+          <p:nvPr/>
+        </p:nvSpPr>
+        <p:spPr>
+          <a:xfrm>
+            <a:off x="5081155" y="3997155"/>
+            <a:ext cx="1000991" cy="716973"/>
+          </a:xfrm>
+          <a:prstGeom prst="rect">
+            <a:avLst/>
+          </a:prstGeom>
           <a:solidFill>
-            <a:schemeClr val="accent6"/>
+            <a:schemeClr val="accent1">
+              <a:lumMod val="50000"/>
+            </a:schemeClr>
           </a:solidFill>
         </p:spPr>
         <p:style>
@@ -4713,53 +5884,33 @@
           <a:lstStyle/>
           <a:p>
             <a:pPr algn="ctr"/>
-            <a:endParaRPr lang="en-US"/>
-          </a:p>
-        </p:txBody>
-      </p:sp>
-      <p:sp>
-        <p:nvSpPr>
-          <p:cNvPr id="61" name="TextBox 60"/>
-          <p:cNvSpPr txBox="1"/>
-          <p:nvPr/>
-        </p:nvSpPr>
-        <p:spPr>
-          <a:xfrm>
-            <a:off x="4878253" y="4731993"/>
-            <a:ext cx="1203663" cy="276999"/>
+            <a:r>
+              <a:rPr lang="en-US" sz="1200" b="1" dirty="0" smtClean="0"/>
+              <a:t>Application Node</a:t>
+            </a:r>
+            <a:endParaRPr lang="en-US" sz="1200" b="1" dirty="0"/>
+          </a:p>
+        </p:txBody>
+      </p:sp>
+      <p:sp>
+        <p:nvSpPr>
+          <p:cNvPr id="56" name="Rectangle 55"/>
+          <p:cNvSpPr/>
+          <p:nvPr/>
+        </p:nvSpPr>
+        <p:spPr>
+          <a:xfrm>
+            <a:off x="5081155" y="5160938"/>
+            <a:ext cx="1000991" cy="716973"/>
           </a:xfrm>
           <a:prstGeom prst="rect">
             <a:avLst/>
           </a:prstGeom>
-          <a:noFill/>
-        </p:spPr>
-        <p:txBody>
-          <a:bodyPr wrap="none" rtlCol="0">
-            <a:spAutoFit/>
-          </a:bodyPr>
-          <a:lstStyle/>
-          <a:p>
-            <a:r>
-              <a:rPr lang="en-US" sz="1200" b="1" dirty="0" smtClean="0"/>
-              <a:t>Matcher service</a:t>
-            </a:r>
-          </a:p>
-        </p:txBody>
-      </p:sp>
-      <p:sp>
-        <p:nvSpPr>
-          <p:cNvPr id="62" name="Flowchart: Magnetic Disk 61"/>
-          <p:cNvSpPr/>
-          <p:nvPr/>
-        </p:nvSpPr>
-        <p:spPr>
-          <a:xfrm>
-            <a:off x="6337611" y="4448278"/>
-            <a:ext cx="467678" cy="366558"/>
-          </a:xfrm>
-          <a:prstGeom prst="flowChartMagneticDisk">
-            <a:avLst/>
-          </a:prstGeom>
+          <a:solidFill>
+            <a:schemeClr val="accent1">
+              <a:lumMod val="50000"/>
+            </a:schemeClr>
+          </a:solidFill>
         </p:spPr>
         <p:style>
           <a:lnRef idx="2">
@@ -4782,146 +5933,32 @@
           <a:lstStyle/>
           <a:p>
             <a:pPr algn="ctr"/>
-            <a:endParaRPr lang="en-US"/>
-          </a:p>
-        </p:txBody>
-      </p:sp>
-      <p:sp>
-        <p:nvSpPr>
-          <p:cNvPr id="63" name="TextBox 62"/>
-          <p:cNvSpPr txBox="1"/>
-          <p:nvPr/>
-        </p:nvSpPr>
-        <p:spPr>
-          <a:xfrm>
-            <a:off x="6268524" y="4567273"/>
-            <a:ext cx="946093" cy="246221"/>
-          </a:xfrm>
-          <a:prstGeom prst="rect">
-            <a:avLst/>
-          </a:prstGeom>
-          <a:noFill/>
-        </p:spPr>
-        <p:txBody>
-          <a:bodyPr wrap="none" rtlCol="0">
-            <a:spAutoFit/>
-          </a:bodyPr>
-          <a:lstStyle/>
-          <a:p>
-            <a:r>
-              <a:rPr lang="en-US" sz="1000" dirty="0" err="1"/>
-              <a:t>u</a:t>
-            </a:r>
-            <a:r>
-              <a:rPr lang="en-US" sz="1000" dirty="0" err="1" smtClean="0"/>
-              <a:t>serid</a:t>
-            </a:r>
-            <a:r>
-              <a:rPr lang="en-US" sz="1000" dirty="0" smtClean="0"/>
-              <a:t> | </a:t>
-            </a:r>
-            <a:r>
-              <a:rPr lang="en-US" sz="1000" dirty="0" err="1" smtClean="0"/>
-              <a:t>userid</a:t>
-            </a:r>
-            <a:endParaRPr lang="en-US" sz="1000" dirty="0"/>
-          </a:p>
-        </p:txBody>
-      </p:sp>
-      <p:cxnSp>
-        <p:nvCxnSpPr>
-          <p:cNvPr id="67" name="Curved Connector 66"/>
-          <p:cNvCxnSpPr>
-            <a:endCxn id="60" idx="1"/>
-          </p:cNvCxnSpPr>
-          <p:nvPr/>
-        </p:nvCxnSpPr>
-        <p:spPr>
-          <a:xfrm>
-            <a:off x="4395352" y="3646734"/>
-            <a:ext cx="1038821" cy="970071"/>
-          </a:xfrm>
-          <a:prstGeom prst="curvedConnector3">
-            <a:avLst/>
-          </a:prstGeom>
-          <a:ln>
-            <a:solidFill>
-              <a:srgbClr val="FF0000"/>
-            </a:solidFill>
-            <a:headEnd type="triangle"/>
-            <a:tailEnd type="triangle"/>
-          </a:ln>
-        </p:spPr>
-        <p:style>
-          <a:lnRef idx="1">
-            <a:schemeClr val="accent1"/>
-          </a:lnRef>
-          <a:fillRef idx="0">
-            <a:schemeClr val="accent1"/>
-          </a:fillRef>
-          <a:effectRef idx="0">
-            <a:schemeClr val="accent1"/>
-          </a:effectRef>
-          <a:fontRef idx="minor">
-            <a:schemeClr val="tx1"/>
-          </a:fontRef>
-        </p:style>
-      </p:cxnSp>
-      <p:cxnSp>
-        <p:nvCxnSpPr>
-          <p:cNvPr id="69" name="Curved Connector 68"/>
-          <p:cNvCxnSpPr>
-            <a:stCxn id="52" idx="2"/>
-          </p:cNvCxnSpPr>
-          <p:nvPr/>
-        </p:nvCxnSpPr>
-        <p:spPr>
-          <a:xfrm rot="5400000">
-            <a:off x="4240892" y="2847550"/>
-            <a:ext cx="2774749" cy="121514"/>
-          </a:xfrm>
-          <a:prstGeom prst="curvedConnector3">
-            <a:avLst/>
-          </a:prstGeom>
-          <a:ln>
-            <a:solidFill>
-              <a:srgbClr val="FF0000"/>
-            </a:solidFill>
-            <a:headEnd type="triangle"/>
-            <a:tailEnd type="triangle"/>
-          </a:ln>
-        </p:spPr>
-        <p:style>
-          <a:lnRef idx="1">
-            <a:schemeClr val="accent1"/>
-          </a:lnRef>
-          <a:fillRef idx="0">
-            <a:schemeClr val="accent1"/>
-          </a:fillRef>
-          <a:effectRef idx="0">
-            <a:schemeClr val="accent1"/>
-          </a:effectRef>
-          <a:fontRef idx="minor">
-            <a:schemeClr val="tx1"/>
-          </a:fontRef>
-        </p:style>
-      </p:cxnSp>
-      <p:sp>
-        <p:nvSpPr>
-          <p:cNvPr id="70" name="Rectangle 69"/>
+            <a:r>
+              <a:rPr lang="en-US" sz="1200" b="1" dirty="0" smtClean="0"/>
+              <a:t>Application Node</a:t>
+            </a:r>
+            <a:endParaRPr lang="en-US" sz="1200" b="1" dirty="0"/>
+          </a:p>
+        </p:txBody>
+      </p:sp>
+      <p:sp>
+        <p:nvSpPr>
+          <p:cNvPr id="57" name="Can 56"/>
           <p:cNvSpPr/>
           <p:nvPr/>
         </p:nvSpPr>
         <p:spPr>
           <a:xfrm>
-            <a:off x="4051058" y="4842173"/>
-            <a:ext cx="571500" cy="711618"/>
-          </a:xfrm>
-          <a:prstGeom prst="rect">
+            <a:off x="7904719" y="5038843"/>
+            <a:ext cx="685800" cy="540327"/>
+          </a:xfrm>
+          <a:prstGeom prst="can">
             <a:avLst/>
           </a:prstGeom>
           <a:solidFill>
-            <a:schemeClr val="accent6"/>
+            <a:schemeClr val="accent1">
+              <a:lumMod val="75000"/>
+            </a:schemeClr>
           </a:solidFill>
         </p:spPr>
         <p:style>
@@ -4945,59 +5982,33 @@
           <a:lstStyle/>
           <a:p>
             <a:pPr algn="ctr"/>
-            <a:endParaRPr lang="en-US"/>
-          </a:p>
-        </p:txBody>
-      </p:sp>
-      <p:sp>
-        <p:nvSpPr>
-          <p:cNvPr id="71" name="TextBox 70"/>
-          <p:cNvSpPr txBox="1"/>
-          <p:nvPr/>
-        </p:nvSpPr>
-        <p:spPr>
-          <a:xfrm>
-            <a:off x="3999802" y="5270425"/>
-            <a:ext cx="2337809" cy="646331"/>
+            <a:r>
+              <a:rPr lang="en-US" sz="1200" b="1" dirty="0" smtClean="0"/>
+              <a:t>DB Node 2</a:t>
+            </a:r>
+            <a:endParaRPr lang="en-US" sz="1200" b="1" dirty="0"/>
+          </a:p>
+        </p:txBody>
+      </p:sp>
+      <p:sp>
+        <p:nvSpPr>
+          <p:cNvPr id="58" name="Rectangle 57"/>
+          <p:cNvSpPr/>
+          <p:nvPr/>
+        </p:nvSpPr>
+        <p:spPr>
+          <a:xfrm>
+            <a:off x="6847785" y="4047541"/>
+            <a:ext cx="301336" cy="691065"/>
           </a:xfrm>
           <a:prstGeom prst="rect">
             <a:avLst/>
           </a:prstGeom>
-          <a:noFill/>
-        </p:spPr>
-        <p:txBody>
-          <a:bodyPr wrap="square" rtlCol="0">
-            <a:spAutoFit/>
-          </a:bodyPr>
-          <a:lstStyle/>
-          <a:p>
-            <a:r>
-              <a:rPr lang="en-US" sz="1200" b="1" dirty="0" smtClean="0"/>
-              <a:t>Recommendation service</a:t>
-            </a:r>
-          </a:p>
-          <a:p>
-            <a:r>
-              <a:rPr lang="en-US" sz="1200" dirty="0" smtClean="0"/>
-              <a:t>Even it can use data from profile service</a:t>
-            </a:r>
-          </a:p>
-        </p:txBody>
-      </p:sp>
-      <p:sp>
-        <p:nvSpPr>
-          <p:cNvPr id="72" name="Flowchart: Magnetic Disk 71"/>
-          <p:cNvSpPr/>
-          <p:nvPr/>
-        </p:nvSpPr>
-        <p:spPr>
-          <a:xfrm>
-            <a:off x="3242206" y="5112078"/>
-            <a:ext cx="467678" cy="366558"/>
-          </a:xfrm>
-          <a:prstGeom prst="flowChartMagneticDisk">
-            <a:avLst/>
-          </a:prstGeom>
+          <a:solidFill>
+            <a:schemeClr val="accent5">
+              <a:lumMod val="50000"/>
+            </a:schemeClr>
+          </a:solidFill>
         </p:spPr>
         <p:style>
           <a:lnRef idx="2">
@@ -5026,14 +6037,14 @@
       </p:sp>
       <p:sp>
         <p:nvSpPr>
-          <p:cNvPr id="73" name="TextBox 72"/>
+          <p:cNvPr id="59" name="TextBox 58"/>
           <p:cNvSpPr txBox="1"/>
           <p:nvPr/>
         </p:nvSpPr>
         <p:spPr>
           <a:xfrm>
-            <a:off x="2769810" y="5224253"/>
-            <a:ext cx="1042273" cy="246221"/>
+            <a:off x="6549561" y="4683164"/>
+            <a:ext cx="992003" cy="276999"/>
           </a:xfrm>
           <a:prstGeom prst="rect">
             <a:avLst/>
@@ -5047,105 +6058,419 @@
           <a:lstStyle/>
           <a:p>
             <a:r>
-              <a:rPr lang="en-US" sz="1000" dirty="0" err="1"/>
-              <a:t>u</a:t>
-            </a:r>
-            <a:r>
-              <a:rPr lang="en-US" sz="1000" dirty="0" err="1" smtClean="0"/>
-              <a:t>serid</a:t>
-            </a:r>
-            <a:r>
-              <a:rPr lang="en-US" sz="1000" dirty="0" smtClean="0"/>
-              <a:t> | location</a:t>
-            </a:r>
-            <a:endParaRPr lang="en-US" sz="1000" dirty="0"/>
-          </a:p>
-        </p:txBody>
-      </p:sp>
-      <p:cxnSp>
-        <p:nvCxnSpPr>
-          <p:cNvPr id="75" name="Curved Connector 74"/>
-          <p:cNvCxnSpPr>
-            <a:stCxn id="70" idx="0"/>
-          </p:cNvCxnSpPr>
-          <p:nvPr/>
-        </p:nvCxnSpPr>
-        <p:spPr>
-          <a:xfrm rot="16200000" flipV="1">
-            <a:off x="3744059" y="4249424"/>
-            <a:ext cx="899748" cy="285750"/>
-          </a:xfrm>
-          <a:prstGeom prst="curvedConnector3">
-            <a:avLst/>
-          </a:prstGeom>
-          <a:ln>
-            <a:solidFill>
-              <a:schemeClr val="bg2">
-                <a:lumMod val="10000"/>
-              </a:schemeClr>
-            </a:solidFill>
-            <a:headEnd type="triangle"/>
-            <a:tailEnd type="triangle"/>
-          </a:ln>
+              <a:rPr lang="en-US" sz="1200" b="1" dirty="0" smtClean="0"/>
+              <a:t>Orchestrator</a:t>
+            </a:r>
+            <a:endParaRPr lang="en-US" sz="1200" b="1" dirty="0"/>
+          </a:p>
+        </p:txBody>
+      </p:sp>
+      <p:sp>
+        <p:nvSpPr>
+          <p:cNvPr id="60" name="Rounded Rectangle 59"/>
+          <p:cNvSpPr/>
+          <p:nvPr/>
+        </p:nvSpPr>
+        <p:spPr>
+          <a:xfrm>
+            <a:off x="3922569" y="5061402"/>
+            <a:ext cx="371640" cy="517768"/>
+          </a:xfrm>
+          <a:prstGeom prst="roundRect">
+            <a:avLst/>
+          </a:prstGeom>
+          <a:solidFill>
+            <a:schemeClr val="accent6">
+              <a:lumMod val="50000"/>
+            </a:schemeClr>
+          </a:solidFill>
         </p:spPr>
         <p:style>
-          <a:lnRef idx="1">
-            <a:schemeClr val="accent1"/>
+          <a:lnRef idx="2">
+            <a:schemeClr val="accent1">
+              <a:shade val="50000"/>
+            </a:schemeClr>
           </a:lnRef>
-          <a:fillRef idx="0">
+          <a:fillRef idx="1">
             <a:schemeClr val="accent1"/>
           </a:fillRef>
           <a:effectRef idx="0">
             <a:schemeClr val="accent1"/>
           </a:effectRef>
           <a:fontRef idx="minor">
-            <a:schemeClr val="tx1"/>
+            <a:schemeClr val="lt1"/>
           </a:fontRef>
         </p:style>
-      </p:cxnSp>
-      <p:cxnSp>
-        <p:nvCxnSpPr>
-          <p:cNvPr id="77" name="Straight Arrow Connector 76"/>
-          <p:cNvCxnSpPr>
-            <a:stCxn id="60" idx="3"/>
-          </p:cNvCxnSpPr>
-          <p:nvPr/>
-        </p:nvCxnSpPr>
-        <p:spPr>
-          <a:xfrm>
-            <a:off x="6005673" y="4616805"/>
-            <a:ext cx="412465" cy="1809"/>
-          </a:xfrm>
-          <a:prstGeom prst="straightConnector1">
-            <a:avLst/>
-          </a:prstGeom>
-          <a:ln>
-            <a:solidFill>
-              <a:srgbClr val="FF0000"/>
-            </a:solidFill>
-            <a:headEnd type="triangle"/>
-            <a:tailEnd type="triangle"/>
-          </a:ln>
+        <p:txBody>
+          <a:bodyPr rtlCol="0" anchor="ctr"/>
+          <a:lstStyle/>
+          <a:p>
+            <a:pPr algn="ctr"/>
+            <a:r>
+              <a:rPr lang="en-US" sz="1200" b="1" dirty="0" smtClean="0"/>
+              <a:t>LB</a:t>
+            </a:r>
+            <a:endParaRPr lang="en-US" sz="1200" b="1" dirty="0"/>
+          </a:p>
+        </p:txBody>
+      </p:sp>
+      <p:sp>
+        <p:nvSpPr>
+          <p:cNvPr id="61" name="Rounded Rectangle 60"/>
+          <p:cNvSpPr/>
+          <p:nvPr/>
+        </p:nvSpPr>
+        <p:spPr>
+          <a:xfrm>
+            <a:off x="3922569" y="4264720"/>
+            <a:ext cx="371640" cy="517768"/>
+          </a:xfrm>
+          <a:prstGeom prst="roundRect">
+            <a:avLst/>
+          </a:prstGeom>
+          <a:solidFill>
+            <a:schemeClr val="accent6">
+              <a:lumMod val="50000"/>
+            </a:schemeClr>
+          </a:solidFill>
         </p:spPr>
         <p:style>
-          <a:lnRef idx="1">
-            <a:schemeClr val="accent1"/>
+          <a:lnRef idx="2">
+            <a:schemeClr val="accent1">
+              <a:shade val="50000"/>
+            </a:schemeClr>
           </a:lnRef>
-          <a:fillRef idx="0">
+          <a:fillRef idx="1">
             <a:schemeClr val="accent1"/>
           </a:fillRef>
           <a:effectRef idx="0">
             <a:schemeClr val="accent1"/>
           </a:effectRef>
           <a:fontRef idx="minor">
-            <a:schemeClr val="tx1"/>
+            <a:schemeClr val="lt1"/>
           </a:fontRef>
         </p:style>
-      </p:cxnSp>
+        <p:txBody>
+          <a:bodyPr rtlCol="0" anchor="ctr"/>
+          <a:lstStyle/>
+          <a:p>
+            <a:pPr algn="ctr"/>
+            <a:r>
+              <a:rPr lang="en-US" sz="1200" b="1" dirty="0" smtClean="0"/>
+              <a:t>LB</a:t>
+            </a:r>
+            <a:endParaRPr lang="en-US" sz="1200" b="1" dirty="0"/>
+          </a:p>
+        </p:txBody>
+      </p:sp>
+      <p:sp>
+        <p:nvSpPr>
+          <p:cNvPr id="62" name="TextBox 61"/>
+          <p:cNvSpPr txBox="1"/>
+          <p:nvPr/>
+        </p:nvSpPr>
+        <p:spPr>
+          <a:xfrm>
+            <a:off x="3508160" y="5579169"/>
+            <a:ext cx="1377300" cy="461665"/>
+          </a:xfrm>
+          <a:prstGeom prst="rect">
+            <a:avLst/>
+          </a:prstGeom>
+          <a:noFill/>
+        </p:spPr>
+        <p:txBody>
+          <a:bodyPr wrap="none" rtlCol="0">
+            <a:spAutoFit/>
+          </a:bodyPr>
+          <a:lstStyle/>
+          <a:p>
+            <a:r>
+              <a:rPr lang="en-US" sz="1200" b="1" dirty="0" smtClean="0"/>
+              <a:t>Gateway service</a:t>
+            </a:r>
+          </a:p>
+          <a:p>
+            <a:r>
+              <a:rPr lang="en-US" sz="1200" b="1" dirty="0" smtClean="0"/>
+              <a:t>with load balancer</a:t>
+            </a:r>
+            <a:endParaRPr lang="en-US" sz="1200" b="1" dirty="0"/>
+          </a:p>
+        </p:txBody>
+      </p:sp>
+      <p:sp>
+        <p:nvSpPr>
+          <p:cNvPr id="63" name="Rectangle 62"/>
+          <p:cNvSpPr/>
+          <p:nvPr/>
+        </p:nvSpPr>
+        <p:spPr>
+          <a:xfrm>
+            <a:off x="6847785" y="5160938"/>
+            <a:ext cx="301336" cy="691065"/>
+          </a:xfrm>
+          <a:prstGeom prst="rect">
+            <a:avLst/>
+          </a:prstGeom>
+          <a:solidFill>
+            <a:schemeClr val="accent5">
+              <a:lumMod val="50000"/>
+            </a:schemeClr>
+          </a:solidFill>
+        </p:spPr>
+        <p:style>
+          <a:lnRef idx="2">
+            <a:schemeClr val="accent1">
+              <a:shade val="50000"/>
+            </a:schemeClr>
+          </a:lnRef>
+          <a:fillRef idx="1">
+            <a:schemeClr val="accent1"/>
+          </a:fillRef>
+          <a:effectRef idx="0">
+            <a:schemeClr val="accent1"/>
+          </a:effectRef>
+          <a:fontRef idx="minor">
+            <a:schemeClr val="lt1"/>
+          </a:fontRef>
+        </p:style>
+        <p:txBody>
+          <a:bodyPr rtlCol="0" anchor="ctr"/>
+          <a:lstStyle/>
+          <a:p>
+            <a:pPr algn="ctr"/>
+            <a:endParaRPr lang="en-US"/>
+          </a:p>
+        </p:txBody>
+      </p:sp>
+      <p:sp>
+        <p:nvSpPr>
+          <p:cNvPr id="64" name="TextBox 63"/>
+          <p:cNvSpPr txBox="1"/>
+          <p:nvPr/>
+        </p:nvSpPr>
+        <p:spPr>
+          <a:xfrm>
+            <a:off x="6549561" y="5796561"/>
+            <a:ext cx="992003" cy="276999"/>
+          </a:xfrm>
+          <a:prstGeom prst="rect">
+            <a:avLst/>
+          </a:prstGeom>
+          <a:noFill/>
+        </p:spPr>
+        <p:txBody>
+          <a:bodyPr wrap="none" rtlCol="0">
+            <a:spAutoFit/>
+          </a:bodyPr>
+          <a:lstStyle/>
+          <a:p>
+            <a:r>
+              <a:rPr lang="en-US" sz="1200" b="1" dirty="0" smtClean="0"/>
+              <a:t>Orchestrator</a:t>
+            </a:r>
+            <a:endParaRPr lang="en-US" sz="1200" b="1" dirty="0"/>
+          </a:p>
+        </p:txBody>
+      </p:sp>
+      <p:sp>
+        <p:nvSpPr>
+          <p:cNvPr id="75" name="Can 74"/>
+          <p:cNvSpPr/>
+          <p:nvPr/>
+        </p:nvSpPr>
+        <p:spPr>
+          <a:xfrm>
+            <a:off x="7879435" y="4094017"/>
+            <a:ext cx="685800" cy="540327"/>
+          </a:xfrm>
+          <a:prstGeom prst="can">
+            <a:avLst/>
+          </a:prstGeom>
+          <a:solidFill>
+            <a:schemeClr val="accent1">
+              <a:lumMod val="75000"/>
+            </a:schemeClr>
+          </a:solidFill>
+        </p:spPr>
+        <p:style>
+          <a:lnRef idx="2">
+            <a:schemeClr val="accent1">
+              <a:shade val="50000"/>
+            </a:schemeClr>
+          </a:lnRef>
+          <a:fillRef idx="1">
+            <a:schemeClr val="accent1"/>
+          </a:fillRef>
+          <a:effectRef idx="0">
+            <a:schemeClr val="accent1"/>
+          </a:effectRef>
+          <a:fontRef idx="minor">
+            <a:schemeClr val="lt1"/>
+          </a:fontRef>
+        </p:style>
+        <p:txBody>
+          <a:bodyPr rtlCol="0" anchor="ctr"/>
+          <a:lstStyle/>
+          <a:p>
+            <a:pPr algn="ctr"/>
+            <a:r>
+              <a:rPr lang="en-US" sz="1200" b="1" dirty="0" smtClean="0"/>
+              <a:t>DB Node 1</a:t>
+            </a:r>
+            <a:endParaRPr lang="en-US" sz="1200" b="1" dirty="0"/>
+          </a:p>
+        </p:txBody>
+      </p:sp>
+      <p:sp>
+        <p:nvSpPr>
+          <p:cNvPr id="76" name="Rectangle 75"/>
+          <p:cNvSpPr/>
+          <p:nvPr/>
+        </p:nvSpPr>
+        <p:spPr>
+          <a:xfrm>
+            <a:off x="2741381" y="4534884"/>
+            <a:ext cx="465159" cy="785402"/>
+          </a:xfrm>
+          <a:prstGeom prst="rect">
+            <a:avLst/>
+          </a:prstGeom>
+          <a:solidFill>
+            <a:schemeClr val="tx2">
+              <a:lumMod val="50000"/>
+            </a:schemeClr>
+          </a:solidFill>
+        </p:spPr>
+        <p:style>
+          <a:lnRef idx="2">
+            <a:schemeClr val="accent1">
+              <a:shade val="50000"/>
+            </a:schemeClr>
+          </a:lnRef>
+          <a:fillRef idx="1">
+            <a:schemeClr val="accent1"/>
+          </a:fillRef>
+          <a:effectRef idx="0">
+            <a:schemeClr val="accent1"/>
+          </a:effectRef>
+          <a:fontRef idx="minor">
+            <a:schemeClr val="lt1"/>
+          </a:fontRef>
+        </p:style>
+        <p:txBody>
+          <a:bodyPr rtlCol="0" anchor="ctr"/>
+          <a:lstStyle/>
+          <a:p>
+            <a:pPr algn="ctr"/>
+            <a:endParaRPr lang="en-US" sz="1200" b="1" dirty="0"/>
+          </a:p>
+        </p:txBody>
+      </p:sp>
+      <p:sp>
+        <p:nvSpPr>
+          <p:cNvPr id="77" name="TextBox 76"/>
+          <p:cNvSpPr txBox="1"/>
+          <p:nvPr/>
+        </p:nvSpPr>
+        <p:spPr>
+          <a:xfrm>
+            <a:off x="2455452" y="5061402"/>
+            <a:ext cx="1037015" cy="276999"/>
+          </a:xfrm>
+          <a:prstGeom prst="rect">
+            <a:avLst/>
+          </a:prstGeom>
+          <a:noFill/>
+        </p:spPr>
+        <p:txBody>
+          <a:bodyPr wrap="none" rtlCol="0">
+            <a:spAutoFit/>
+          </a:bodyPr>
+          <a:lstStyle/>
+          <a:p>
+            <a:pPr algn="ctr"/>
+            <a:r>
+              <a:rPr lang="en-US" sz="1200" b="1" dirty="0">
+                <a:solidFill>
+                  <a:srgbClr val="C00000"/>
+                </a:solidFill>
+              </a:rPr>
+              <a:t>DNS Resolver</a:t>
+            </a:r>
+            <a:endParaRPr lang="en-US" sz="1200" b="1" dirty="0">
+              <a:solidFill>
+                <a:srgbClr val="C00000"/>
+              </a:solidFill>
+            </a:endParaRPr>
+          </a:p>
+        </p:txBody>
+      </p:sp>
+      <p:sp>
+        <p:nvSpPr>
+          <p:cNvPr id="78" name="TextBox 77"/>
+          <p:cNvSpPr txBox="1"/>
+          <p:nvPr/>
+        </p:nvSpPr>
+        <p:spPr>
+          <a:xfrm>
+            <a:off x="8508055" y="1258831"/>
+            <a:ext cx="826445" cy="307777"/>
+          </a:xfrm>
+          <a:prstGeom prst="rect">
+            <a:avLst/>
+          </a:prstGeom>
+          <a:noFill/>
+        </p:spPr>
+        <p:txBody>
+          <a:bodyPr wrap="none" rtlCol="0">
+            <a:spAutoFit/>
+          </a:bodyPr>
+          <a:lstStyle/>
+          <a:p>
+            <a:r>
+              <a:rPr lang="en-US" sz="1400" b="1" dirty="0" smtClean="0"/>
+              <a:t>Region 1</a:t>
+            </a:r>
+            <a:endParaRPr lang="en-US" sz="1400" b="1" dirty="0"/>
+          </a:p>
+        </p:txBody>
+      </p:sp>
+      <p:sp>
+        <p:nvSpPr>
+          <p:cNvPr id="79" name="TextBox 78"/>
+          <p:cNvSpPr txBox="1"/>
+          <p:nvPr/>
+        </p:nvSpPr>
+        <p:spPr>
+          <a:xfrm>
+            <a:off x="8617247" y="3843266"/>
+            <a:ext cx="826445" cy="307777"/>
+          </a:xfrm>
+          <a:prstGeom prst="rect">
+            <a:avLst/>
+          </a:prstGeom>
+          <a:noFill/>
+        </p:spPr>
+        <p:txBody>
+          <a:bodyPr wrap="none" rtlCol="0">
+            <a:spAutoFit/>
+          </a:bodyPr>
+          <a:lstStyle/>
+          <a:p>
+            <a:r>
+              <a:rPr lang="en-US" sz="1400" b="1" dirty="0" smtClean="0"/>
+              <a:t>Region 2</a:t>
+            </a:r>
+            <a:endParaRPr lang="en-US" sz="1400" b="1" dirty="0"/>
+          </a:p>
+        </p:txBody>
+      </p:sp>
     </p:spTree>
     <p:extLst>
       <p:ext uri="{BB962C8B-B14F-4D97-AF65-F5344CB8AC3E}">
-        <p14:creationId xmlns:p14="http://schemas.microsoft.com/office/powerpoint/2010/main" val="2881948713"/>
+        <p14:creationId xmlns:p14="http://schemas.microsoft.com/office/powerpoint/2010/main" val="441075216"/>
       </p:ext>
     </p:extLst>
   </p:cSld>
